--- a/輪読のスライド.pptx
+++ b/輪読のスライド.pptx
@@ -10,16 +10,17 @@
     <p:sldId id="260" r:id="rId4"/>
     <p:sldId id="258" r:id="rId5"/>
     <p:sldId id="259" r:id="rId6"/>
-    <p:sldId id="268" r:id="rId7"/>
-    <p:sldId id="269" r:id="rId8"/>
-    <p:sldId id="270" r:id="rId9"/>
-    <p:sldId id="261" r:id="rId10"/>
-    <p:sldId id="262" r:id="rId11"/>
-    <p:sldId id="263" r:id="rId12"/>
-    <p:sldId id="265" r:id="rId13"/>
-    <p:sldId id="267" r:id="rId14"/>
-    <p:sldId id="266" r:id="rId15"/>
-    <p:sldId id="264" r:id="rId16"/>
+    <p:sldId id="269" r:id="rId7"/>
+    <p:sldId id="268" r:id="rId8"/>
+    <p:sldId id="271" r:id="rId9"/>
+    <p:sldId id="270" r:id="rId10"/>
+    <p:sldId id="261" r:id="rId11"/>
+    <p:sldId id="262" r:id="rId12"/>
+    <p:sldId id="263" r:id="rId13"/>
+    <p:sldId id="265" r:id="rId14"/>
+    <p:sldId id="267" r:id="rId15"/>
+    <p:sldId id="266" r:id="rId16"/>
+    <p:sldId id="264" r:id="rId17"/>
   </p:sldIdLst>
   <p:sldSz cx="9144000" cy="6858000" type="screen4x3"/>
   <p:notesSz cx="6858000" cy="9144000"/>
@@ -118,6 +119,11 @@
       </a:defRPr>
     </a:lvl9pPr>
   </p:defaultTextStyle>
+  <p:extLst>
+    <p:ext uri="{EFAFB233-063F-42B5-8137-9DF3F51BA10A}">
+      <p15:sldGuideLst xmlns:p15="http://schemas.microsoft.com/office/powerpoint/2012/main"/>
+    </p:ext>
+  </p:extLst>
 </p:presentation>
 </file>
 
@@ -252,7 +258,7 @@
           <a:p>
             <a:fld id="{FE67F7C2-A5CB-47DC-BA91-6C047ADEBE48}" type="datetimeFigureOut">
               <a:rPr kumimoji="1" lang="ja-JP" altLang="en-US" smtClean="0"/>
-              <a:t>2021/2/20</a:t>
+              <a:t>2021/2/23</a:t>
             </a:fld>
             <a:endParaRPr kumimoji="1" lang="ja-JP" altLang="en-US"/>
           </a:p>
@@ -454,7 +460,7 @@
           <a:p>
             <a:fld id="{FE67F7C2-A5CB-47DC-BA91-6C047ADEBE48}" type="datetimeFigureOut">
               <a:rPr kumimoji="1" lang="ja-JP" altLang="en-US" smtClean="0"/>
-              <a:t>2021/2/20</a:t>
+              <a:t>2021/2/23</a:t>
             </a:fld>
             <a:endParaRPr kumimoji="1" lang="ja-JP" altLang="en-US"/>
           </a:p>
@@ -666,7 +672,7 @@
           <a:p>
             <a:fld id="{FE67F7C2-A5CB-47DC-BA91-6C047ADEBE48}" type="datetimeFigureOut">
               <a:rPr kumimoji="1" lang="ja-JP" altLang="en-US" smtClean="0"/>
-              <a:t>2021/2/20</a:t>
+              <a:t>2021/2/23</a:t>
             </a:fld>
             <a:endParaRPr kumimoji="1" lang="ja-JP" altLang="en-US"/>
           </a:p>
@@ -868,7 +874,7 @@
           <a:p>
             <a:fld id="{FE67F7C2-A5CB-47DC-BA91-6C047ADEBE48}" type="datetimeFigureOut">
               <a:rPr kumimoji="1" lang="ja-JP" altLang="en-US" smtClean="0"/>
-              <a:t>2021/2/20</a:t>
+              <a:t>2021/2/23</a:t>
             </a:fld>
             <a:endParaRPr kumimoji="1" lang="ja-JP" altLang="en-US"/>
           </a:p>
@@ -1112,7 +1118,7 @@
           <a:p>
             <a:fld id="{FE67F7C2-A5CB-47DC-BA91-6C047ADEBE48}" type="datetimeFigureOut">
               <a:rPr kumimoji="1" lang="ja-JP" altLang="en-US" smtClean="0"/>
-              <a:t>2021/2/20</a:t>
+              <a:t>2021/2/23</a:t>
             </a:fld>
             <a:endParaRPr kumimoji="1" lang="ja-JP" altLang="en-US"/>
           </a:p>
@@ -1408,7 +1414,7 @@
           <a:p>
             <a:fld id="{FE67F7C2-A5CB-47DC-BA91-6C047ADEBE48}" type="datetimeFigureOut">
               <a:rPr kumimoji="1" lang="ja-JP" altLang="en-US" smtClean="0"/>
-              <a:t>2021/2/20</a:t>
+              <a:t>2021/2/23</a:t>
             </a:fld>
             <a:endParaRPr kumimoji="1" lang="ja-JP" altLang="en-US"/>
           </a:p>
@@ -1839,7 +1845,7 @@
           <a:p>
             <a:fld id="{FE67F7C2-A5CB-47DC-BA91-6C047ADEBE48}" type="datetimeFigureOut">
               <a:rPr kumimoji="1" lang="ja-JP" altLang="en-US" smtClean="0"/>
-              <a:t>2021/2/20</a:t>
+              <a:t>2021/2/23</a:t>
             </a:fld>
             <a:endParaRPr kumimoji="1" lang="ja-JP" altLang="en-US"/>
           </a:p>
@@ -1957,7 +1963,7 @@
           <a:p>
             <a:fld id="{FE67F7C2-A5CB-47DC-BA91-6C047ADEBE48}" type="datetimeFigureOut">
               <a:rPr kumimoji="1" lang="ja-JP" altLang="en-US" smtClean="0"/>
-              <a:t>2021/2/20</a:t>
+              <a:t>2021/2/23</a:t>
             </a:fld>
             <a:endParaRPr kumimoji="1" lang="ja-JP" altLang="en-US"/>
           </a:p>
@@ -2052,7 +2058,7 @@
           <a:p>
             <a:fld id="{FE67F7C2-A5CB-47DC-BA91-6C047ADEBE48}" type="datetimeFigureOut">
               <a:rPr kumimoji="1" lang="ja-JP" altLang="en-US" smtClean="0"/>
-              <a:t>2021/2/20</a:t>
+              <a:t>2021/2/23</a:t>
             </a:fld>
             <a:endParaRPr kumimoji="1" lang="ja-JP" altLang="en-US"/>
           </a:p>
@@ -2361,7 +2367,7 @@
           <a:p>
             <a:fld id="{FE67F7C2-A5CB-47DC-BA91-6C047ADEBE48}" type="datetimeFigureOut">
               <a:rPr kumimoji="1" lang="ja-JP" altLang="en-US" smtClean="0"/>
-              <a:t>2021/2/20</a:t>
+              <a:t>2021/2/23</a:t>
             </a:fld>
             <a:endParaRPr kumimoji="1" lang="ja-JP" altLang="en-US"/>
           </a:p>
@@ -2618,7 +2624,7 @@
           <a:p>
             <a:fld id="{FE67F7C2-A5CB-47DC-BA91-6C047ADEBE48}" type="datetimeFigureOut">
               <a:rPr kumimoji="1" lang="ja-JP" altLang="en-US" smtClean="0"/>
-              <a:t>2021/2/20</a:t>
+              <a:t>2021/2/23</a:t>
             </a:fld>
             <a:endParaRPr kumimoji="1" lang="ja-JP" altLang="en-US"/>
           </a:p>
@@ -2863,7 +2869,7 @@
           <a:p>
             <a:fld id="{FE67F7C2-A5CB-47DC-BA91-6C047ADEBE48}" type="datetimeFigureOut">
               <a:rPr kumimoji="1" lang="ja-JP" altLang="en-US" smtClean="0"/>
-              <a:t>2021/2/20</a:t>
+              <a:t>2021/2/23</a:t>
             </a:fld>
             <a:endParaRPr kumimoji="1" lang="ja-JP" altLang="en-US"/>
           </a:p>
@@ -3370,12 +3376,8 @@
           <a:lstStyle/>
           <a:p>
             <a:r>
-              <a:rPr lang="en-US" altLang="ja-JP" dirty="0"/>
-              <a:t>React</a:t>
-            </a:r>
-            <a:r>
               <a:rPr lang="ja-JP" altLang="en-US" dirty="0"/>
-              <a:t>概要</a:t>
+              <a:t>学習スケジュール</a:t>
             </a:r>
             <a:endParaRPr kumimoji="1" lang="ja-JP" altLang="en-US" dirty="0"/>
           </a:p>
@@ -3404,16 +3406,22 @@
           </a:bodyPr>
           <a:lstStyle/>
           <a:p>
+            <a:pPr>
+              <a:buAutoNum type="arabicPeriod"/>
+            </a:pPr>
+            <a:r>
+              <a:rPr lang="ja-JP" altLang="en-US" sz="1200" dirty="0"/>
+              <a:t>入門書をざっくり読む</a:t>
+            </a:r>
+            <a:endParaRPr lang="en-US" altLang="ja-JP" sz="1200" dirty="0"/>
+          </a:p>
+          <a:p>
             <a:pPr marL="0" indent="0">
               <a:buNone/>
             </a:pPr>
             <a:r>
-              <a:rPr lang="en-US" altLang="ja-JP" sz="1200" dirty="0"/>
-              <a:t>React</a:t>
-            </a:r>
-            <a:r>
               <a:rPr lang="ja-JP" altLang="en-US" sz="1200" dirty="0"/>
-              <a:t>とは</a:t>
+              <a:t>　　カード動かすのどうやってる？？</a:t>
             </a:r>
             <a:endParaRPr lang="en-US" altLang="ja-JP" sz="1200" dirty="0"/>
           </a:p>
@@ -3423,121 +3431,84 @@
             </a:pPr>
             <a:r>
               <a:rPr lang="en-US" altLang="ja-JP" sz="1200" dirty="0"/>
-              <a:t>JavaScript</a:t>
+              <a:t>	react</a:t>
             </a:r>
             <a:r>
               <a:rPr lang="ja-JP" altLang="en-US" sz="1200" dirty="0"/>
-              <a:t>のフロントエンドのフレームワーク</a:t>
-            </a:r>
+              <a:t>単体の機能ではなく、外部ライブラリを</a:t>
+            </a:r>
+            <a:endParaRPr lang="en-US" altLang="ja-JP" sz="1200" dirty="0"/>
+          </a:p>
+          <a:p>
+            <a:pPr>
+              <a:buAutoNum type="arabicPeriod"/>
+            </a:pPr>
+            <a:r>
+              <a:rPr lang="ja-JP" altLang="en-US" sz="1200" dirty="0"/>
+              <a:t>入門書をざっくり読む②</a:t>
+            </a:r>
+            <a:endParaRPr lang="en-US" altLang="ja-JP" sz="1200" dirty="0"/>
+          </a:p>
+          <a:p>
+            <a:pPr>
+              <a:buAutoNum type="arabicPeriod"/>
+            </a:pPr>
+            <a:endParaRPr lang="en-US" altLang="ja-JP" sz="1200" dirty="0"/>
+          </a:p>
+          <a:p>
+            <a:pPr>
+              <a:buAutoNum type="arabicPeriod"/>
+            </a:pPr>
             <a:r>
               <a:rPr lang="en-US" altLang="ja-JP" sz="1200" dirty="0"/>
-              <a:t>(</a:t>
+              <a:t>react</a:t>
             </a:r>
             <a:r>
               <a:rPr lang="ja-JP" altLang="en-US" sz="1200" dirty="0"/>
-              <a:t>ライブラリ</a:t>
-            </a:r>
-            <a:r>
-              <a:rPr lang="en-US" altLang="ja-JP" sz="1200" dirty="0"/>
-              <a:t>)</a:t>
-            </a:r>
+              <a:t>チュートリアルをやる</a:t>
+            </a:r>
+            <a:endParaRPr lang="en-US" altLang="ja-JP" sz="1200" dirty="0"/>
+          </a:p>
+          <a:p>
+            <a:pPr>
+              <a:buAutoNum type="arabicPeriod"/>
+            </a:pPr>
+            <a:endParaRPr lang="en-US" altLang="ja-JP" sz="1200" dirty="0"/>
+          </a:p>
+          <a:p>
+            <a:pPr>
+              <a:buAutoNum type="arabicPeriod"/>
+            </a:pPr>
+            <a:r>
+              <a:rPr lang="en-US" altLang="ja-JP" sz="1200" dirty="0" err="1"/>
+              <a:t>Qiita</a:t>
+            </a:r>
+            <a:r>
+              <a:rPr lang="ja-JP" altLang="en-US" sz="1200" dirty="0"/>
+              <a:t>とかの掲示板作成チュートリアルをやる</a:t>
+            </a:r>
+            <a:endParaRPr lang="en-US" altLang="ja-JP" sz="1200" dirty="0"/>
+          </a:p>
+          <a:p>
+            <a:pPr>
+              <a:buAutoNum type="arabicPeriod"/>
+            </a:pPr>
+            <a:endParaRPr lang="en-US" altLang="ja-JP" sz="1200" dirty="0"/>
+          </a:p>
+          <a:p>
+            <a:pPr>
+              <a:buAutoNum type="arabicPeriod"/>
+            </a:pPr>
+            <a:r>
+              <a:rPr lang="ja-JP" altLang="en-US" sz="1200" dirty="0"/>
+              <a:t>成果物ググりながら作ってみる</a:t>
+            </a:r>
+            <a:endParaRPr lang="en-US" altLang="ja-JP" sz="1200" dirty="0"/>
           </a:p>
           <a:p>
             <a:pPr marL="0" indent="0">
               <a:buNone/>
             </a:pPr>
-            <a:r>
-              <a:rPr lang="ja-JP" altLang="en-US" sz="1200" dirty="0"/>
-              <a:t>　・コンポーネント</a:t>
-            </a:r>
-            <a:endParaRPr lang="en-US" altLang="ja-JP" sz="1200" dirty="0"/>
-          </a:p>
-          <a:p>
-            <a:pPr marL="0" indent="0">
-              <a:buNone/>
-            </a:pPr>
-            <a:r>
-              <a:rPr lang="ja-JP" altLang="en-US" sz="1200" dirty="0"/>
-              <a:t>　・</a:t>
-            </a:r>
-            <a:r>
-              <a:rPr lang="en-US" altLang="ja-JP" sz="1200" dirty="0"/>
-              <a:t>state, props</a:t>
-            </a:r>
-          </a:p>
-          <a:p>
-            <a:pPr marL="0" indent="0">
-              <a:buNone/>
-            </a:pPr>
-            <a:r>
-              <a:rPr lang="ja-JP" altLang="en-US" sz="1200" dirty="0"/>
-              <a:t>　</a:t>
-            </a:r>
-            <a:endParaRPr lang="en-US" altLang="ja-JP" sz="1200" dirty="0"/>
-          </a:p>
-          <a:p>
-            <a:pPr marL="0" indent="0">
-              <a:buNone/>
-            </a:pPr>
-            <a:r>
-              <a:rPr lang="ja-JP" altLang="en-US" sz="1200" dirty="0"/>
-              <a:t>・</a:t>
-            </a:r>
-            <a:r>
-              <a:rPr lang="en-US" altLang="ja-JP" sz="1200" dirty="0"/>
-              <a:t>JavaScript</a:t>
-            </a:r>
-            <a:r>
-              <a:rPr lang="ja-JP" altLang="en-US" sz="1200" dirty="0"/>
-              <a:t>の中に</a:t>
-            </a:r>
-            <a:r>
-              <a:rPr lang="en-US" altLang="ja-JP" sz="1200" dirty="0"/>
-              <a:t>HTML(JSX)</a:t>
-            </a:r>
-            <a:r>
-              <a:rPr lang="ja-JP" altLang="en-US" sz="1200" dirty="0"/>
-              <a:t>を書く→部品として、部品をくみ上げる</a:t>
-            </a:r>
-            <a:endParaRPr lang="en-US" altLang="ja-JP" sz="1200" dirty="0"/>
-          </a:p>
-          <a:p>
-            <a:pPr marL="0" indent="0">
-              <a:buNone/>
-            </a:pPr>
-            <a:r>
-              <a:rPr kumimoji="1" lang="ja-JP" altLang="en-US" sz="1200" dirty="0"/>
-              <a:t>・目的別にライブラリを追加する</a:t>
-            </a:r>
-            <a:r>
-              <a:rPr kumimoji="1" lang="en-US" altLang="ja-JP" sz="1200" dirty="0"/>
-              <a:t>(</a:t>
-            </a:r>
-            <a:r>
-              <a:rPr kumimoji="1" lang="ja-JP" altLang="en-US" sz="1200" dirty="0"/>
-              <a:t>ルーティング、</a:t>
-            </a:r>
-            <a:r>
-              <a:rPr kumimoji="1" lang="en-US" altLang="ja-JP" sz="1200" dirty="0"/>
-              <a:t>HTTP</a:t>
-            </a:r>
-            <a:r>
-              <a:rPr kumimoji="1" lang="ja-JP" altLang="en-US" sz="1200" dirty="0"/>
-              <a:t>通信など</a:t>
-            </a:r>
-            <a:r>
-              <a:rPr kumimoji="1" lang="en-US" altLang="ja-JP" sz="1200" dirty="0"/>
-              <a:t>)</a:t>
-            </a:r>
-          </a:p>
-          <a:p>
-            <a:pPr marL="0" indent="0">
-              <a:buNone/>
-            </a:pPr>
-            <a:r>
-              <a:rPr lang="ja-JP" altLang="en-US" sz="1200" dirty="0"/>
-              <a:t>・</a:t>
-            </a:r>
             <a:endParaRPr kumimoji="1" lang="ja-JP" altLang="en-US" sz="1200" dirty="0"/>
           </a:p>
         </p:txBody>
@@ -3545,7 +3516,7 @@
     </p:spTree>
     <p:extLst>
       <p:ext uri="{BB962C8B-B14F-4D97-AF65-F5344CB8AC3E}">
-        <p14:creationId xmlns:p14="http://schemas.microsoft.com/office/powerpoint/2010/main" val="3069569857"/>
+        <p14:creationId xmlns:p14="http://schemas.microsoft.com/office/powerpoint/2010/main" val="4168270379"/>
       </p:ext>
     </p:extLst>
   </p:cSld>
@@ -3594,9 +3565,14 @@
           <a:lstStyle/>
           <a:p>
             <a:r>
-              <a:rPr kumimoji="1" lang="ja-JP" altLang="en-US" dirty="0"/>
-              <a:t>成果物との対応</a:t>
-            </a:r>
+              <a:rPr lang="en-US" altLang="ja-JP" dirty="0"/>
+              <a:t>React</a:t>
+            </a:r>
+            <a:r>
+              <a:rPr lang="ja-JP" altLang="en-US" dirty="0"/>
+              <a:t>概要</a:t>
+            </a:r>
+            <a:endParaRPr kumimoji="1" lang="ja-JP" altLang="en-US" dirty="0"/>
           </a:p>
         </p:txBody>
       </p:sp>
@@ -3627,8 +3603,12 @@
               <a:buNone/>
             </a:pPr>
             <a:r>
+              <a:rPr lang="en-US" altLang="ja-JP" sz="1200" dirty="0"/>
+              <a:t>React</a:t>
+            </a:r>
+            <a:r>
               <a:rPr lang="ja-JP" altLang="en-US" sz="1200" dirty="0"/>
-              <a:t>コンポーネントとコンポーネントの呼び出し</a:t>
+              <a:t>とは</a:t>
             </a:r>
             <a:endParaRPr lang="en-US" altLang="ja-JP" sz="1200" dirty="0"/>
           </a:p>
@@ -3636,6 +3616,123 @@
             <a:pPr marL="0" indent="0">
               <a:buNone/>
             </a:pPr>
+            <a:r>
+              <a:rPr lang="en-US" altLang="ja-JP" sz="1200" dirty="0"/>
+              <a:t>JavaScript</a:t>
+            </a:r>
+            <a:r>
+              <a:rPr lang="ja-JP" altLang="en-US" sz="1200" dirty="0"/>
+              <a:t>のフロントエンドのフレームワーク</a:t>
+            </a:r>
+            <a:r>
+              <a:rPr lang="en-US" altLang="ja-JP" sz="1200" dirty="0"/>
+              <a:t>(</a:t>
+            </a:r>
+            <a:r>
+              <a:rPr lang="ja-JP" altLang="en-US" sz="1200" dirty="0"/>
+              <a:t>ライブラリ</a:t>
+            </a:r>
+            <a:r>
+              <a:rPr lang="en-US" altLang="ja-JP" sz="1200" dirty="0"/>
+              <a:t>)</a:t>
+            </a:r>
+          </a:p>
+          <a:p>
+            <a:pPr marL="0" indent="0">
+              <a:buNone/>
+            </a:pPr>
+            <a:r>
+              <a:rPr lang="ja-JP" altLang="en-US" sz="1200" dirty="0"/>
+              <a:t>　・コンポーネント</a:t>
+            </a:r>
+            <a:endParaRPr lang="en-US" altLang="ja-JP" sz="1200" dirty="0"/>
+          </a:p>
+          <a:p>
+            <a:pPr marL="0" indent="0">
+              <a:buNone/>
+            </a:pPr>
+            <a:r>
+              <a:rPr lang="ja-JP" altLang="en-US" sz="1200" dirty="0"/>
+              <a:t>　・</a:t>
+            </a:r>
+            <a:r>
+              <a:rPr lang="en-US" altLang="ja-JP" sz="1200" dirty="0"/>
+              <a:t>state, props</a:t>
+            </a:r>
+          </a:p>
+          <a:p>
+            <a:pPr marL="0" indent="0">
+              <a:buNone/>
+            </a:pPr>
+            <a:r>
+              <a:rPr lang="ja-JP" altLang="en-US" sz="1200" dirty="0"/>
+              <a:t>　</a:t>
+            </a:r>
+            <a:endParaRPr lang="en-US" altLang="ja-JP" sz="1200" dirty="0"/>
+          </a:p>
+          <a:p>
+            <a:pPr marL="0" indent="0">
+              <a:buNone/>
+            </a:pPr>
+            <a:r>
+              <a:rPr lang="ja-JP" altLang="en-US" sz="1200" dirty="0"/>
+              <a:t>・</a:t>
+            </a:r>
+            <a:r>
+              <a:rPr lang="en-US" altLang="ja-JP" sz="1200" dirty="0"/>
+              <a:t>JavaScript</a:t>
+            </a:r>
+            <a:r>
+              <a:rPr lang="ja-JP" altLang="en-US" sz="1200" dirty="0"/>
+              <a:t>の中に</a:t>
+            </a:r>
+            <a:r>
+              <a:rPr lang="en-US" altLang="ja-JP" sz="1200" dirty="0"/>
+              <a:t>HTML(JSX)</a:t>
+            </a:r>
+            <a:r>
+              <a:rPr lang="ja-JP" altLang="en-US" sz="1200" dirty="0"/>
+              <a:t>を書く→部品として、部品をくみ上げる</a:t>
+            </a:r>
+            <a:endParaRPr lang="en-US" altLang="ja-JP" sz="1200" dirty="0"/>
+          </a:p>
+          <a:p>
+            <a:pPr marL="0" indent="0">
+              <a:buNone/>
+            </a:pPr>
+            <a:r>
+              <a:rPr kumimoji="1" lang="ja-JP" altLang="en-US" sz="1200" dirty="0"/>
+              <a:t>・目的別にライブラリを追加する</a:t>
+            </a:r>
+            <a:r>
+              <a:rPr kumimoji="1" lang="en-US" altLang="ja-JP" sz="1200" dirty="0"/>
+              <a:t>(</a:t>
+            </a:r>
+            <a:r>
+              <a:rPr kumimoji="1" lang="ja-JP" altLang="en-US" sz="1200" dirty="0"/>
+              <a:t>ルーティング、</a:t>
+            </a:r>
+            <a:r>
+              <a:rPr kumimoji="1" lang="en-US" altLang="ja-JP" sz="1200" dirty="0"/>
+              <a:t>HTTP</a:t>
+            </a:r>
+            <a:r>
+              <a:rPr kumimoji="1" lang="ja-JP" altLang="en-US" sz="1200" dirty="0"/>
+              <a:t>通信など</a:t>
+            </a:r>
+            <a:r>
+              <a:rPr kumimoji="1" lang="en-US" altLang="ja-JP" sz="1200" dirty="0"/>
+              <a:t>)</a:t>
+            </a:r>
+          </a:p>
+          <a:p>
+            <a:pPr marL="0" indent="0">
+              <a:buNone/>
+            </a:pPr>
+            <a:r>
+              <a:rPr lang="ja-JP" altLang="en-US" sz="1200" dirty="0"/>
+              <a:t>・</a:t>
+            </a:r>
             <a:endParaRPr kumimoji="1" lang="ja-JP" altLang="en-US" sz="1200" dirty="0"/>
           </a:p>
         </p:txBody>
@@ -3643,7 +3740,7 @@
     </p:spTree>
     <p:extLst>
       <p:ext uri="{BB962C8B-B14F-4D97-AF65-F5344CB8AC3E}">
-        <p14:creationId xmlns:p14="http://schemas.microsoft.com/office/powerpoint/2010/main" val="2452786848"/>
+        <p14:creationId xmlns:p14="http://schemas.microsoft.com/office/powerpoint/2010/main" val="3069569857"/>
       </p:ext>
     </p:extLst>
   </p:cSld>
@@ -3726,8 +3823,14 @@
             </a:pPr>
             <a:r>
               <a:rPr lang="ja-JP" altLang="en-US" sz="1200" dirty="0"/>
-              <a:t>値の更新</a:t>
-            </a:r>
+              <a:t>コンポーネントとコンポーネントの呼び出し</a:t>
+            </a:r>
+            <a:endParaRPr lang="en-US" altLang="ja-JP" sz="1200" dirty="0"/>
+          </a:p>
+          <a:p>
+            <a:pPr marL="0" indent="0">
+              <a:buNone/>
+            </a:pPr>
             <a:endParaRPr kumimoji="1" lang="ja-JP" altLang="en-US" sz="1200" dirty="0"/>
           </a:p>
         </p:txBody>
@@ -3735,7 +3838,7 @@
     </p:spTree>
     <p:extLst>
       <p:ext uri="{BB962C8B-B14F-4D97-AF65-F5344CB8AC3E}">
-        <p14:creationId xmlns:p14="http://schemas.microsoft.com/office/powerpoint/2010/main" val="2678403350"/>
+        <p14:creationId xmlns:p14="http://schemas.microsoft.com/office/powerpoint/2010/main" val="2452786848"/>
       </p:ext>
     </p:extLst>
   </p:cSld>
@@ -3817,32 +3920,17 @@
               <a:buNone/>
             </a:pPr>
             <a:r>
-              <a:rPr kumimoji="1" lang="en-US" altLang="ja-JP" sz="1200" dirty="0" err="1"/>
-              <a:t>AtomicDesign</a:t>
-            </a:r>
-            <a:endParaRPr kumimoji="1" lang="en-US" altLang="ja-JP" sz="1200" dirty="0"/>
-          </a:p>
-          <a:p>
-            <a:pPr marL="0" indent="0">
-              <a:buNone/>
-            </a:pPr>
-            <a:endParaRPr lang="en-US" altLang="ja-JP" sz="1200" dirty="0"/>
-          </a:p>
-          <a:p>
-            <a:pPr marL="0" indent="0">
-              <a:buNone/>
-            </a:pPr>
-            <a:r>
-              <a:rPr kumimoji="1" lang="ja-JP" altLang="en-US" sz="1200" dirty="0"/>
-              <a:t>部品をどんな単位で分割すればよいか</a:t>
-            </a:r>
+              <a:rPr lang="ja-JP" altLang="en-US" sz="1200" dirty="0"/>
+              <a:t>値の更新</a:t>
+            </a:r>
+            <a:endParaRPr kumimoji="1" lang="ja-JP" altLang="en-US" sz="1200" dirty="0"/>
           </a:p>
         </p:txBody>
       </p:sp>
     </p:spTree>
     <p:extLst>
       <p:ext uri="{BB962C8B-B14F-4D97-AF65-F5344CB8AC3E}">
-        <p14:creationId xmlns:p14="http://schemas.microsoft.com/office/powerpoint/2010/main" val="2820940454"/>
+        <p14:creationId xmlns:p14="http://schemas.microsoft.com/office/powerpoint/2010/main" val="2678403350"/>
       </p:ext>
     </p:extLst>
   </p:cSld>
@@ -3924,6 +4012,113 @@
               <a:buNone/>
             </a:pPr>
             <a:r>
+              <a:rPr kumimoji="1" lang="en-US" altLang="ja-JP" sz="1200" dirty="0" err="1"/>
+              <a:t>AtomicDesign</a:t>
+            </a:r>
+            <a:endParaRPr kumimoji="1" lang="en-US" altLang="ja-JP" sz="1200" dirty="0"/>
+          </a:p>
+          <a:p>
+            <a:pPr marL="0" indent="0">
+              <a:buNone/>
+            </a:pPr>
+            <a:endParaRPr lang="en-US" altLang="ja-JP" sz="1200" dirty="0"/>
+          </a:p>
+          <a:p>
+            <a:pPr marL="0" indent="0">
+              <a:buNone/>
+            </a:pPr>
+            <a:r>
+              <a:rPr kumimoji="1" lang="ja-JP" altLang="en-US" sz="1200" dirty="0"/>
+              <a:t>部品をどんな単位で分割すればよいか</a:t>
+            </a:r>
+          </a:p>
+        </p:txBody>
+      </p:sp>
+    </p:spTree>
+    <p:extLst>
+      <p:ext uri="{BB962C8B-B14F-4D97-AF65-F5344CB8AC3E}">
+        <p14:creationId xmlns:p14="http://schemas.microsoft.com/office/powerpoint/2010/main" val="2820940454"/>
+      </p:ext>
+    </p:extLst>
+  </p:cSld>
+  <p:clrMapOvr>
+    <a:masterClrMapping/>
+  </p:clrMapOvr>
+</p:sld>
+</file>
+
+<file path=ppt/slides/slide15.xml><?xml version="1.0" encoding="utf-8"?>
+<p:sld xmlns:a="http://schemas.openxmlformats.org/drawingml/2006/main" xmlns:r="http://schemas.openxmlformats.org/officeDocument/2006/relationships" xmlns:p="http://schemas.openxmlformats.org/presentationml/2006/main">
+  <p:cSld>
+    <p:spTree>
+      <p:nvGrpSpPr>
+        <p:cNvPr id="1" name=""/>
+        <p:cNvGrpSpPr/>
+        <p:nvPr/>
+      </p:nvGrpSpPr>
+      <p:grpSpPr>
+        <a:xfrm>
+          <a:off x="0" y="0"/>
+          <a:ext cx="0" cy="0"/>
+          <a:chOff x="0" y="0"/>
+          <a:chExt cx="0" cy="0"/>
+        </a:xfrm>
+      </p:grpSpPr>
+      <p:sp>
+        <p:nvSpPr>
+          <p:cNvPr id="2" name="タイトル 1">
+            <a:extLst>
+              <a:ext uri="{FF2B5EF4-FFF2-40B4-BE49-F238E27FC236}">
+                <a16:creationId xmlns:a16="http://schemas.microsoft.com/office/drawing/2014/main" id="{4DA20E65-118B-436D-9961-57F99ACBE8D9}"/>
+              </a:ext>
+            </a:extLst>
+          </p:cNvPr>
+          <p:cNvSpPr>
+            <a:spLocks noGrp="1"/>
+          </p:cNvSpPr>
+          <p:nvPr>
+            <p:ph type="title"/>
+          </p:nvPr>
+        </p:nvSpPr>
+        <p:spPr/>
+        <p:txBody>
+          <a:bodyPr/>
+          <a:lstStyle/>
+          <a:p>
+            <a:r>
+              <a:rPr kumimoji="1" lang="ja-JP" altLang="en-US" dirty="0"/>
+              <a:t>成果物との対応</a:t>
+            </a:r>
+          </a:p>
+        </p:txBody>
+      </p:sp>
+      <p:sp>
+        <p:nvSpPr>
+          <p:cNvPr id="3" name="コンテンツ プレースホルダー 2">
+            <a:extLst>
+              <a:ext uri="{FF2B5EF4-FFF2-40B4-BE49-F238E27FC236}">
+                <a16:creationId xmlns:a16="http://schemas.microsoft.com/office/drawing/2014/main" id="{01846C9A-278E-428A-B36F-F647C0C11FFC}"/>
+              </a:ext>
+            </a:extLst>
+          </p:cNvPr>
+          <p:cNvSpPr>
+            <a:spLocks noGrp="1"/>
+          </p:cNvSpPr>
+          <p:nvPr>
+            <p:ph idx="1"/>
+          </p:nvPr>
+        </p:nvSpPr>
+        <p:spPr/>
+        <p:txBody>
+          <a:bodyPr>
+            <a:normAutofit/>
+          </a:bodyPr>
+          <a:lstStyle/>
+          <a:p>
+            <a:pPr marL="0" indent="0">
+              <a:buNone/>
+            </a:pPr>
+            <a:r>
               <a:rPr lang="ja-JP" altLang="en-US" sz="1200" dirty="0"/>
               <a:t>全体の構成</a:t>
             </a:r>
@@ -3944,7 +4139,7 @@
 </p:sld>
 </file>
 
-<file path=ppt/slides/slide15.xml><?xml version="1.0" encoding="utf-8"?>
+<file path=ppt/slides/slide16.xml><?xml version="1.0" encoding="utf-8"?>
 <p:sld xmlns:a="http://schemas.openxmlformats.org/drawingml/2006/main" xmlns:r="http://schemas.openxmlformats.org/officeDocument/2006/relationships" xmlns:p="http://schemas.openxmlformats.org/presentationml/2006/main">
   <p:cSld>
     <p:spTree>
@@ -7521,7 +7716,7 @@
     </p:spTree>
     <p:extLst>
       <p:ext uri="{BB962C8B-B14F-4D97-AF65-F5344CB8AC3E}">
-        <p14:creationId xmlns:p14="http://schemas.microsoft.com/office/powerpoint/2010/main" val="2909114909"/>
+        <p14:creationId xmlns:p14="http://schemas.microsoft.com/office/powerpoint/2010/main" val="1322683177"/>
       </p:ext>
     </p:extLst>
   </p:cSld>
@@ -8258,7 +8453,7 @@
         <p:spPr>
           <a:xfrm>
             <a:off x="3054923" y="3745190"/>
-            <a:ext cx="1928897" cy="584775"/>
+            <a:ext cx="3233734" cy="584775"/>
           </a:xfrm>
           <a:prstGeom prst="rect">
             <a:avLst/>
@@ -8333,28 +8528,34 @@
                 <a:ea typeface="Meiryo UI" panose="020B0604030504040204" pitchFamily="50" charset="-128"/>
                 <a:cs typeface="Aldhabi" panose="01000000000000000000" pitchFamily="2" charset="-78"/>
               </a:rPr>
-              <a:t>=“</a:t>
-            </a:r>
-            <a:r>
-              <a:rPr kumimoji="1" lang="ja-JP" altLang="en-US" sz="800" dirty="0">
+              <a:t>={</a:t>
+            </a:r>
+            <a:r>
+              <a:rPr kumimoji="1" lang="en-US" altLang="ja-JP" sz="800" dirty="0" err="1">
                 <a:solidFill>
-                  <a:schemeClr val="accent4">
-                    <a:lumMod val="50000"/>
-                  </a:schemeClr>
+                  <a:srgbClr val="00B050"/>
                 </a:solidFill>
                 <a:latin typeface="Meiryo UI" panose="020B0604030504040204" pitchFamily="50" charset="-128"/>
                 <a:ea typeface="Meiryo UI" panose="020B0604030504040204" pitchFamily="50" charset="-128"/>
                 <a:cs typeface="Aldhabi" panose="01000000000000000000" pitchFamily="2" charset="-78"/>
               </a:rPr>
-              <a:t>ボタン</a:t>
-            </a:r>
-            <a:r>
-              <a:rPr kumimoji="1" lang="en-US" altLang="ja-JP" sz="800" dirty="0">
-                <a:latin typeface="Meiryo UI" panose="020B0604030504040204" pitchFamily="50" charset="-128"/>
-                <a:ea typeface="Meiryo UI" panose="020B0604030504040204" pitchFamily="50" charset="-128"/>
-                <a:cs typeface="Aldhabi" panose="01000000000000000000" pitchFamily="2" charset="-78"/>
-              </a:rPr>
-              <a:t>” </a:t>
+              <a:t>state</a:t>
+            </a:r>
+            <a:r>
+              <a:rPr kumimoji="1" lang="en-US" altLang="ja-JP" sz="800" dirty="0" err="1">
+                <a:latin typeface="Meiryo UI" panose="020B0604030504040204" pitchFamily="50" charset="-128"/>
+                <a:ea typeface="Meiryo UI" panose="020B0604030504040204" pitchFamily="50" charset="-128"/>
+                <a:cs typeface="Aldhabi" panose="01000000000000000000" pitchFamily="2" charset="-78"/>
+              </a:rPr>
+              <a:t>.buttonLabel</a:t>
+            </a:r>
+            <a:r>
+              <a:rPr kumimoji="1" lang="en-US" altLang="ja-JP" sz="800" dirty="0">
+                <a:latin typeface="Meiryo UI" panose="020B0604030504040204" pitchFamily="50" charset="-128"/>
+                <a:ea typeface="Meiryo UI" panose="020B0604030504040204" pitchFamily="50" charset="-128"/>
+                <a:cs typeface="Aldhabi" panose="01000000000000000000" pitchFamily="2" charset="-78"/>
+              </a:rPr>
+              <a:t>} </a:t>
             </a:r>
             <a:r>
               <a:rPr kumimoji="1" lang="en-US" altLang="ja-JP" sz="800" dirty="0">
@@ -8402,28 +8603,34 @@
                 <a:ea typeface="Meiryo UI" panose="020B0604030504040204" pitchFamily="50" charset="-128"/>
                 <a:cs typeface="Aldhabi" panose="01000000000000000000" pitchFamily="2" charset="-78"/>
               </a:rPr>
-              <a:t>label=“</a:t>
-            </a:r>
-            <a:r>
-              <a:rPr kumimoji="1" lang="ja-JP" altLang="en-US" sz="800" dirty="0">
+              <a:t>label={</a:t>
+            </a:r>
+            <a:r>
+              <a:rPr kumimoji="1" lang="en-US" altLang="ja-JP" sz="800" dirty="0" err="1">
                 <a:solidFill>
-                  <a:schemeClr val="accent4">
-                    <a:lumMod val="50000"/>
-                  </a:schemeClr>
+                  <a:srgbClr val="00B050"/>
                 </a:solidFill>
                 <a:latin typeface="Meiryo UI" panose="020B0604030504040204" pitchFamily="50" charset="-128"/>
                 <a:ea typeface="Meiryo UI" panose="020B0604030504040204" pitchFamily="50" charset="-128"/>
                 <a:cs typeface="Aldhabi" panose="01000000000000000000" pitchFamily="2" charset="-78"/>
               </a:rPr>
-              <a:t>ラベル</a:t>
-            </a:r>
-            <a:r>
-              <a:rPr kumimoji="1" lang="en-US" altLang="ja-JP" sz="800" dirty="0">
-                <a:latin typeface="Meiryo UI" panose="020B0604030504040204" pitchFamily="50" charset="-128"/>
-                <a:ea typeface="Meiryo UI" panose="020B0604030504040204" pitchFamily="50" charset="-128"/>
-                <a:cs typeface="Aldhabi" panose="01000000000000000000" pitchFamily="2" charset="-78"/>
-              </a:rPr>
-              <a:t>” </a:t>
+              <a:t>state</a:t>
+            </a:r>
+            <a:r>
+              <a:rPr kumimoji="1" lang="en-US" altLang="ja-JP" sz="800" dirty="0" err="1">
+                <a:latin typeface="Meiryo UI" panose="020B0604030504040204" pitchFamily="50" charset="-128"/>
+                <a:ea typeface="Meiryo UI" panose="020B0604030504040204" pitchFamily="50" charset="-128"/>
+                <a:cs typeface="Aldhabi" panose="01000000000000000000" pitchFamily="2" charset="-78"/>
+              </a:rPr>
+              <a:t>.label</a:t>
+            </a:r>
+            <a:r>
+              <a:rPr kumimoji="1" lang="en-US" altLang="ja-JP" sz="800" dirty="0">
+                <a:latin typeface="Meiryo UI" panose="020B0604030504040204" pitchFamily="50" charset="-128"/>
+                <a:ea typeface="Meiryo UI" panose="020B0604030504040204" pitchFamily="50" charset="-128"/>
+                <a:cs typeface="Aldhabi" panose="01000000000000000000" pitchFamily="2" charset="-78"/>
+              </a:rPr>
+              <a:t>} </a:t>
             </a:r>
             <a:r>
               <a:rPr kumimoji="1" lang="en-US" altLang="ja-JP" sz="800" dirty="0">
@@ -9121,10 +9328,163 @@
           </a:fontRef>
         </p:style>
       </p:cxnSp>
+      <p:sp>
+        <p:nvSpPr>
+          <p:cNvPr id="29" name="テキスト ボックス 28">
+            <a:extLst>
+              <a:ext uri="{FF2B5EF4-FFF2-40B4-BE49-F238E27FC236}">
+                <a16:creationId xmlns:a16="http://schemas.microsoft.com/office/drawing/2014/main" id="{B369B1D3-576E-46E0-9D75-DB78CC434FFC}"/>
+              </a:ext>
+            </a:extLst>
+          </p:cNvPr>
+          <p:cNvSpPr txBox="1"/>
+          <p:nvPr/>
+        </p:nvSpPr>
+        <p:spPr>
+          <a:xfrm>
+            <a:off x="5542681" y="3740121"/>
+            <a:ext cx="1491951" cy="707886"/>
+          </a:xfrm>
+          <a:prstGeom prst="rect">
+            <a:avLst/>
+          </a:prstGeom>
+          <a:noFill/>
+        </p:spPr>
+        <p:txBody>
+          <a:bodyPr wrap="square" rtlCol="0">
+            <a:spAutoFit/>
+          </a:bodyPr>
+          <a:lstStyle/>
+          <a:p>
+            <a:r>
+              <a:rPr lang="en-US" altLang="ja-JP" sz="800" b="0" dirty="0" err="1">
+                <a:effectLst/>
+                <a:latin typeface="Meiryo UI" panose="020B0604030504040204" pitchFamily="50" charset="-128"/>
+                <a:ea typeface="Meiryo UI" panose="020B0604030504040204" pitchFamily="50" charset="-128"/>
+              </a:rPr>
+              <a:t>this.state</a:t>
+            </a:r>
+            <a:r>
+              <a:rPr lang="en-US" altLang="ja-JP" sz="800" b="0" dirty="0">
+                <a:effectLst/>
+                <a:latin typeface="Meiryo UI" panose="020B0604030504040204" pitchFamily="50" charset="-128"/>
+                <a:ea typeface="Meiryo UI" panose="020B0604030504040204" pitchFamily="50" charset="-128"/>
+              </a:rPr>
+              <a:t> = {</a:t>
+            </a:r>
+          </a:p>
+          <a:p>
+            <a:r>
+              <a:rPr lang="en-US" altLang="ja-JP" sz="800" b="0" dirty="0">
+                <a:effectLst/>
+                <a:latin typeface="Meiryo UI" panose="020B0604030504040204" pitchFamily="50" charset="-128"/>
+                <a:ea typeface="Meiryo UI" panose="020B0604030504040204" pitchFamily="50" charset="-128"/>
+              </a:rPr>
+              <a:t>      </a:t>
+            </a:r>
+            <a:r>
+              <a:rPr lang="en-US" altLang="ja-JP" sz="800" b="0" dirty="0" err="1">
+                <a:effectLst/>
+                <a:latin typeface="Meiryo UI" panose="020B0604030504040204" pitchFamily="50" charset="-128"/>
+                <a:ea typeface="Meiryo UI" panose="020B0604030504040204" pitchFamily="50" charset="-128"/>
+              </a:rPr>
+              <a:t>buttonLabel</a:t>
+            </a:r>
+            <a:r>
+              <a:rPr lang="en-US" altLang="ja-JP" sz="800" b="0" dirty="0">
+                <a:effectLst/>
+                <a:latin typeface="Meiryo UI" panose="020B0604030504040204" pitchFamily="50" charset="-128"/>
+                <a:ea typeface="Meiryo UI" panose="020B0604030504040204" pitchFamily="50" charset="-128"/>
+              </a:rPr>
+              <a:t>: ”</a:t>
+            </a:r>
+            <a:r>
+              <a:rPr kumimoji="1" lang="ja-JP" altLang="en-US" sz="800" dirty="0">
+                <a:solidFill>
+                  <a:schemeClr val="accent4">
+                    <a:lumMod val="50000"/>
+                  </a:schemeClr>
+                </a:solidFill>
+                <a:latin typeface="Meiryo UI" panose="020B0604030504040204" pitchFamily="50" charset="-128"/>
+                <a:ea typeface="Meiryo UI" panose="020B0604030504040204" pitchFamily="50" charset="-128"/>
+                <a:cs typeface="Aldhabi" panose="01000000000000000000" pitchFamily="2" charset="-78"/>
+              </a:rPr>
+              <a:t>ボタン</a:t>
+            </a:r>
+            <a:r>
+              <a:rPr lang="en-US" altLang="ja-JP" sz="800" b="0" dirty="0">
+                <a:effectLst/>
+                <a:latin typeface="Meiryo UI" panose="020B0604030504040204" pitchFamily="50" charset="-128"/>
+                <a:ea typeface="Meiryo UI" panose="020B0604030504040204" pitchFamily="50" charset="-128"/>
+              </a:rPr>
+              <a:t>”,</a:t>
+            </a:r>
+          </a:p>
+          <a:p>
+            <a:r>
+              <a:rPr lang="en-US" altLang="ja-JP" sz="800" b="0" dirty="0">
+                <a:effectLst/>
+                <a:latin typeface="Meiryo UI" panose="020B0604030504040204" pitchFamily="50" charset="-128"/>
+                <a:ea typeface="Meiryo UI" panose="020B0604030504040204" pitchFamily="50" charset="-128"/>
+              </a:rPr>
+              <a:t>      label: </a:t>
+            </a:r>
+            <a:r>
+              <a:rPr lang="en-US" altLang="ja-JP" sz="800" dirty="0">
+                <a:latin typeface="Meiryo UI" panose="020B0604030504040204" pitchFamily="50" charset="-128"/>
+                <a:ea typeface="Meiryo UI" panose="020B0604030504040204" pitchFamily="50" charset="-128"/>
+              </a:rPr>
+              <a:t>”</a:t>
+            </a:r>
+            <a:r>
+              <a:rPr kumimoji="1" lang="ja-JP" altLang="en-US" sz="800" dirty="0">
+                <a:solidFill>
+                  <a:schemeClr val="accent4">
+                    <a:lumMod val="50000"/>
+                  </a:schemeClr>
+                </a:solidFill>
+                <a:latin typeface="Meiryo UI" panose="020B0604030504040204" pitchFamily="50" charset="-128"/>
+                <a:ea typeface="Meiryo UI" panose="020B0604030504040204" pitchFamily="50" charset="-128"/>
+                <a:cs typeface="Aldhabi" panose="01000000000000000000" pitchFamily="2" charset="-78"/>
+              </a:rPr>
+              <a:t>ラベル</a:t>
+            </a:r>
+            <a:r>
+              <a:rPr lang="en-US" altLang="ja-JP" sz="800" dirty="0">
+                <a:latin typeface="Meiryo UI" panose="020B0604030504040204" pitchFamily="50" charset="-128"/>
+                <a:ea typeface="Meiryo UI" panose="020B0604030504040204" pitchFamily="50" charset="-128"/>
+              </a:rPr>
+              <a:t>”</a:t>
+            </a:r>
+            <a:endParaRPr lang="en-US" altLang="ja-JP" sz="800" b="0" dirty="0">
+              <a:effectLst/>
+              <a:latin typeface="Meiryo UI" panose="020B0604030504040204" pitchFamily="50" charset="-128"/>
+              <a:ea typeface="Meiryo UI" panose="020B0604030504040204" pitchFamily="50" charset="-128"/>
+            </a:endParaRPr>
+          </a:p>
+          <a:p>
+            <a:r>
+              <a:rPr lang="en-US" altLang="ja-JP" sz="800" b="0" dirty="0">
+                <a:effectLst/>
+                <a:latin typeface="Meiryo UI" panose="020B0604030504040204" pitchFamily="50" charset="-128"/>
+                <a:ea typeface="Meiryo UI" panose="020B0604030504040204" pitchFamily="50" charset="-128"/>
+              </a:rPr>
+              <a:t>}</a:t>
+            </a:r>
+          </a:p>
+          <a:p>
+            <a:endParaRPr kumimoji="1" lang="ja-JP" altLang="en-US" sz="800" dirty="0">
+              <a:latin typeface="Meiryo UI" panose="020B0604030504040204" pitchFamily="50" charset="-128"/>
+              <a:ea typeface="Meiryo UI" panose="020B0604030504040204" pitchFamily="50" charset="-128"/>
+              <a:cs typeface="Aldhabi" panose="01000000000000000000" pitchFamily="2" charset="-78"/>
+            </a:endParaRPr>
+          </a:p>
+        </p:txBody>
+      </p:sp>
     </p:spTree>
     <p:extLst>
       <p:ext uri="{BB962C8B-B14F-4D97-AF65-F5344CB8AC3E}">
-        <p14:creationId xmlns:p14="http://schemas.microsoft.com/office/powerpoint/2010/main" val="1322683177"/>
+        <p14:creationId xmlns:p14="http://schemas.microsoft.com/office/powerpoint/2010/main" val="2909114909"/>
       </p:ext>
     </p:extLst>
   </p:cSld>
@@ -9215,10 +9575,2585 @@
           </a:p>
         </p:txBody>
       </p:sp>
+      <p:sp>
+        <p:nvSpPr>
+          <p:cNvPr id="6" name="正方形/長方形 5">
+            <a:extLst>
+              <a:ext uri="{FF2B5EF4-FFF2-40B4-BE49-F238E27FC236}">
+                <a16:creationId xmlns:a16="http://schemas.microsoft.com/office/drawing/2014/main" id="{993742E2-F299-41C4-8FB1-23ACC91AD0C8}"/>
+              </a:ext>
+            </a:extLst>
+          </p:cNvPr>
+          <p:cNvSpPr/>
+          <p:nvPr/>
+        </p:nvSpPr>
+        <p:spPr>
+          <a:xfrm>
+            <a:off x="1155468" y="4397433"/>
+            <a:ext cx="1221971" cy="241069"/>
+          </a:xfrm>
+          <a:prstGeom prst="rect">
+            <a:avLst/>
+          </a:prstGeom>
+        </p:spPr>
+        <p:style>
+          <a:lnRef idx="2">
+            <a:schemeClr val="accent1"/>
+          </a:lnRef>
+          <a:fillRef idx="1">
+            <a:schemeClr val="lt1"/>
+          </a:fillRef>
+          <a:effectRef idx="0">
+            <a:schemeClr val="accent1"/>
+          </a:effectRef>
+          <a:fontRef idx="minor">
+            <a:schemeClr val="dk1"/>
+          </a:fontRef>
+        </p:style>
+        <p:txBody>
+          <a:bodyPr rtlCol="0" anchor="ctr"/>
+          <a:lstStyle/>
+          <a:p>
+            <a:pPr algn="ctr"/>
+            <a:r>
+              <a:rPr kumimoji="1" lang="ja-JP" altLang="en-US" sz="1050" dirty="0">
+                <a:latin typeface="Meiryo UI" panose="020B0604030504040204" pitchFamily="50" charset="-128"/>
+                <a:ea typeface="Meiryo UI" panose="020B0604030504040204" pitchFamily="50" charset="-128"/>
+              </a:rPr>
+              <a:t>ボタンコンポーネント</a:t>
+            </a:r>
+          </a:p>
+        </p:txBody>
+      </p:sp>
+      <p:sp>
+        <p:nvSpPr>
+          <p:cNvPr id="8" name="正方形/長方形 7">
+            <a:extLst>
+              <a:ext uri="{FF2B5EF4-FFF2-40B4-BE49-F238E27FC236}">
+                <a16:creationId xmlns:a16="http://schemas.microsoft.com/office/drawing/2014/main" id="{E5B89C14-8444-497C-95B1-F79B8F802B3E}"/>
+              </a:ext>
+            </a:extLst>
+          </p:cNvPr>
+          <p:cNvSpPr/>
+          <p:nvPr/>
+        </p:nvSpPr>
+        <p:spPr>
+          <a:xfrm>
+            <a:off x="2621279" y="4397433"/>
+            <a:ext cx="1221971" cy="241069"/>
+          </a:xfrm>
+          <a:prstGeom prst="rect">
+            <a:avLst/>
+          </a:prstGeom>
+        </p:spPr>
+        <p:style>
+          <a:lnRef idx="2">
+            <a:schemeClr val="accent1"/>
+          </a:lnRef>
+          <a:fillRef idx="1">
+            <a:schemeClr val="lt1"/>
+          </a:fillRef>
+          <a:effectRef idx="0">
+            <a:schemeClr val="accent1"/>
+          </a:effectRef>
+          <a:fontRef idx="minor">
+            <a:schemeClr val="dk1"/>
+          </a:fontRef>
+        </p:style>
+        <p:txBody>
+          <a:bodyPr rtlCol="0" anchor="ctr"/>
+          <a:lstStyle/>
+          <a:p>
+            <a:pPr algn="ctr"/>
+            <a:r>
+              <a:rPr kumimoji="1" lang="ja-JP" altLang="en-US" sz="1050" dirty="0">
+                <a:latin typeface="Meiryo UI" panose="020B0604030504040204" pitchFamily="50" charset="-128"/>
+                <a:ea typeface="Meiryo UI" panose="020B0604030504040204" pitchFamily="50" charset="-128"/>
+              </a:rPr>
+              <a:t>ラベルコンポーネント</a:t>
+            </a:r>
+          </a:p>
+        </p:txBody>
+      </p:sp>
+      <p:sp>
+        <p:nvSpPr>
+          <p:cNvPr id="9" name="正方形/長方形 8">
+            <a:extLst>
+              <a:ext uri="{FF2B5EF4-FFF2-40B4-BE49-F238E27FC236}">
+                <a16:creationId xmlns:a16="http://schemas.microsoft.com/office/drawing/2014/main" id="{7B7EB88E-3C3F-40A3-B6BE-2BFE4981F745}"/>
+              </a:ext>
+            </a:extLst>
+          </p:cNvPr>
+          <p:cNvSpPr/>
+          <p:nvPr/>
+        </p:nvSpPr>
+        <p:spPr>
+          <a:xfrm>
+            <a:off x="1889757" y="3898027"/>
+            <a:ext cx="1221971" cy="241069"/>
+          </a:xfrm>
+          <a:prstGeom prst="rect">
+            <a:avLst/>
+          </a:prstGeom>
+        </p:spPr>
+        <p:style>
+          <a:lnRef idx="2">
+            <a:schemeClr val="accent1"/>
+          </a:lnRef>
+          <a:fillRef idx="1">
+            <a:schemeClr val="lt1"/>
+          </a:fillRef>
+          <a:effectRef idx="0">
+            <a:schemeClr val="accent1"/>
+          </a:effectRef>
+          <a:fontRef idx="minor">
+            <a:schemeClr val="dk1"/>
+          </a:fontRef>
+        </p:style>
+        <p:txBody>
+          <a:bodyPr rtlCol="0" anchor="ctr"/>
+          <a:lstStyle/>
+          <a:p>
+            <a:pPr algn="ctr"/>
+            <a:r>
+              <a:rPr kumimoji="1" lang="ja-JP" altLang="en-US" sz="1050" dirty="0">
+                <a:latin typeface="Meiryo UI" panose="020B0604030504040204" pitchFamily="50" charset="-128"/>
+                <a:ea typeface="Meiryo UI" panose="020B0604030504040204" pitchFamily="50" charset="-128"/>
+              </a:rPr>
+              <a:t>カードコンポーネント</a:t>
+            </a:r>
+          </a:p>
+        </p:txBody>
+      </p:sp>
+      <p:cxnSp>
+        <p:nvCxnSpPr>
+          <p:cNvPr id="11" name="直線コネクタ 10">
+            <a:extLst>
+              <a:ext uri="{FF2B5EF4-FFF2-40B4-BE49-F238E27FC236}">
+                <a16:creationId xmlns:a16="http://schemas.microsoft.com/office/drawing/2014/main" id="{F421ECCC-720C-4D84-ABB4-8306AE29614D}"/>
+              </a:ext>
+            </a:extLst>
+          </p:cNvPr>
+          <p:cNvCxnSpPr>
+            <a:cxnSpLocks/>
+            <a:stCxn id="6" idx="0"/>
+            <a:endCxn id="9" idx="2"/>
+          </p:cNvCxnSpPr>
+          <p:nvPr/>
+        </p:nvCxnSpPr>
+        <p:spPr>
+          <a:xfrm flipV="1">
+            <a:off x="1766454" y="4139096"/>
+            <a:ext cx="734289" cy="258337"/>
+          </a:xfrm>
+          <a:prstGeom prst="line">
+            <a:avLst/>
+          </a:prstGeom>
+        </p:spPr>
+        <p:style>
+          <a:lnRef idx="1">
+            <a:schemeClr val="dk1"/>
+          </a:lnRef>
+          <a:fillRef idx="0">
+            <a:schemeClr val="dk1"/>
+          </a:fillRef>
+          <a:effectRef idx="0">
+            <a:schemeClr val="dk1"/>
+          </a:effectRef>
+          <a:fontRef idx="minor">
+            <a:schemeClr val="tx1"/>
+          </a:fontRef>
+        </p:style>
+      </p:cxnSp>
+      <p:cxnSp>
+        <p:nvCxnSpPr>
+          <p:cNvPr id="13" name="直線コネクタ 12">
+            <a:extLst>
+              <a:ext uri="{FF2B5EF4-FFF2-40B4-BE49-F238E27FC236}">
+                <a16:creationId xmlns:a16="http://schemas.microsoft.com/office/drawing/2014/main" id="{2C47079B-28DF-46FA-934F-F0D95A0A17AE}"/>
+              </a:ext>
+            </a:extLst>
+          </p:cNvPr>
+          <p:cNvCxnSpPr>
+            <a:cxnSpLocks/>
+            <a:stCxn id="8" idx="0"/>
+            <a:endCxn id="9" idx="2"/>
+          </p:cNvCxnSpPr>
+          <p:nvPr/>
+        </p:nvCxnSpPr>
+        <p:spPr>
+          <a:xfrm flipH="1" flipV="1">
+            <a:off x="2500743" y="4139096"/>
+            <a:ext cx="731522" cy="258337"/>
+          </a:xfrm>
+          <a:prstGeom prst="line">
+            <a:avLst/>
+          </a:prstGeom>
+        </p:spPr>
+        <p:style>
+          <a:lnRef idx="1">
+            <a:schemeClr val="dk1"/>
+          </a:lnRef>
+          <a:fillRef idx="0">
+            <a:schemeClr val="dk1"/>
+          </a:fillRef>
+          <a:effectRef idx="0">
+            <a:schemeClr val="dk1"/>
+          </a:effectRef>
+          <a:fontRef idx="minor">
+            <a:schemeClr val="tx1"/>
+          </a:fontRef>
+        </p:style>
+      </p:cxnSp>
+      <p:sp>
+        <p:nvSpPr>
+          <p:cNvPr id="18" name="正方形/長方形 17">
+            <a:extLst>
+              <a:ext uri="{FF2B5EF4-FFF2-40B4-BE49-F238E27FC236}">
+                <a16:creationId xmlns:a16="http://schemas.microsoft.com/office/drawing/2014/main" id="{DBDEE0B1-64CE-43F0-BE27-23261C5BC172}"/>
+              </a:ext>
+            </a:extLst>
+          </p:cNvPr>
+          <p:cNvSpPr/>
+          <p:nvPr/>
+        </p:nvSpPr>
+        <p:spPr>
+          <a:xfrm>
+            <a:off x="2396832" y="3398621"/>
+            <a:ext cx="1221971" cy="241069"/>
+          </a:xfrm>
+          <a:prstGeom prst="rect">
+            <a:avLst/>
+          </a:prstGeom>
+        </p:spPr>
+        <p:style>
+          <a:lnRef idx="2">
+            <a:schemeClr val="accent1"/>
+          </a:lnRef>
+          <a:fillRef idx="1">
+            <a:schemeClr val="lt1"/>
+          </a:fillRef>
+          <a:effectRef idx="0">
+            <a:schemeClr val="accent1"/>
+          </a:effectRef>
+          <a:fontRef idx="minor">
+            <a:schemeClr val="dk1"/>
+          </a:fontRef>
+        </p:style>
+        <p:txBody>
+          <a:bodyPr rtlCol="0" anchor="ctr"/>
+          <a:lstStyle/>
+          <a:p>
+            <a:pPr algn="ctr"/>
+            <a:r>
+              <a:rPr kumimoji="1" lang="ja-JP" altLang="en-US" sz="1050" dirty="0">
+                <a:latin typeface="Meiryo UI" panose="020B0604030504040204" pitchFamily="50" charset="-128"/>
+                <a:ea typeface="Meiryo UI" panose="020B0604030504040204" pitchFamily="50" charset="-128"/>
+              </a:rPr>
+              <a:t>ボードコンポーネント</a:t>
+            </a:r>
+          </a:p>
+        </p:txBody>
+      </p:sp>
+      <p:cxnSp>
+        <p:nvCxnSpPr>
+          <p:cNvPr id="19" name="直線コネクタ 18">
+            <a:extLst>
+              <a:ext uri="{FF2B5EF4-FFF2-40B4-BE49-F238E27FC236}">
+                <a16:creationId xmlns:a16="http://schemas.microsoft.com/office/drawing/2014/main" id="{76DAD8C1-4B6C-466E-9CB5-B84FB7034E49}"/>
+              </a:ext>
+            </a:extLst>
+          </p:cNvPr>
+          <p:cNvCxnSpPr>
+            <a:cxnSpLocks/>
+            <a:stCxn id="9" idx="0"/>
+            <a:endCxn id="18" idx="2"/>
+          </p:cNvCxnSpPr>
+          <p:nvPr/>
+        </p:nvCxnSpPr>
+        <p:spPr>
+          <a:xfrm flipV="1">
+            <a:off x="2500743" y="3639690"/>
+            <a:ext cx="507075" cy="258337"/>
+          </a:xfrm>
+          <a:prstGeom prst="line">
+            <a:avLst/>
+          </a:prstGeom>
+        </p:spPr>
+        <p:style>
+          <a:lnRef idx="1">
+            <a:schemeClr val="dk1"/>
+          </a:lnRef>
+          <a:fillRef idx="0">
+            <a:schemeClr val="dk1"/>
+          </a:fillRef>
+          <a:effectRef idx="0">
+            <a:schemeClr val="dk1"/>
+          </a:effectRef>
+          <a:fontRef idx="minor">
+            <a:schemeClr val="tx1"/>
+          </a:fontRef>
+        </p:style>
+      </p:cxnSp>
+      <p:sp>
+        <p:nvSpPr>
+          <p:cNvPr id="23" name="正方形/長方形 22">
+            <a:extLst>
+              <a:ext uri="{FF2B5EF4-FFF2-40B4-BE49-F238E27FC236}">
+                <a16:creationId xmlns:a16="http://schemas.microsoft.com/office/drawing/2014/main" id="{0E3267AE-4079-4CFC-A99D-4702FB1A083A}"/>
+              </a:ext>
+            </a:extLst>
+          </p:cNvPr>
+          <p:cNvSpPr/>
+          <p:nvPr/>
+        </p:nvSpPr>
+        <p:spPr>
+          <a:xfrm>
+            <a:off x="3035522" y="2899215"/>
+            <a:ext cx="1221971" cy="241069"/>
+          </a:xfrm>
+          <a:prstGeom prst="rect">
+            <a:avLst/>
+          </a:prstGeom>
+        </p:spPr>
+        <p:style>
+          <a:lnRef idx="2">
+            <a:schemeClr val="accent1"/>
+          </a:lnRef>
+          <a:fillRef idx="1">
+            <a:schemeClr val="lt1"/>
+          </a:fillRef>
+          <a:effectRef idx="0">
+            <a:schemeClr val="accent1"/>
+          </a:effectRef>
+          <a:fontRef idx="minor">
+            <a:schemeClr val="dk1"/>
+          </a:fontRef>
+        </p:style>
+        <p:txBody>
+          <a:bodyPr rtlCol="0" anchor="ctr"/>
+          <a:lstStyle/>
+          <a:p>
+            <a:pPr algn="ctr"/>
+            <a:r>
+              <a:rPr kumimoji="1" lang="ja-JP" altLang="en-US" sz="1050" dirty="0">
+                <a:latin typeface="Meiryo UI" panose="020B0604030504040204" pitchFamily="50" charset="-128"/>
+                <a:ea typeface="Meiryo UI" panose="020B0604030504040204" pitchFamily="50" charset="-128"/>
+              </a:rPr>
+              <a:t>アプリコンポーネント</a:t>
+            </a:r>
+          </a:p>
+        </p:txBody>
+      </p:sp>
+      <p:cxnSp>
+        <p:nvCxnSpPr>
+          <p:cNvPr id="28" name="直線コネクタ 27">
+            <a:extLst>
+              <a:ext uri="{FF2B5EF4-FFF2-40B4-BE49-F238E27FC236}">
+                <a16:creationId xmlns:a16="http://schemas.microsoft.com/office/drawing/2014/main" id="{FBE5921B-4578-47A0-BD41-6C461377AF0F}"/>
+              </a:ext>
+            </a:extLst>
+          </p:cNvPr>
+          <p:cNvCxnSpPr>
+            <a:cxnSpLocks/>
+            <a:stCxn id="18" idx="0"/>
+            <a:endCxn id="23" idx="2"/>
+          </p:cNvCxnSpPr>
+          <p:nvPr/>
+        </p:nvCxnSpPr>
+        <p:spPr>
+          <a:xfrm flipV="1">
+            <a:off x="3007818" y="3140284"/>
+            <a:ext cx="638690" cy="258337"/>
+          </a:xfrm>
+          <a:prstGeom prst="line">
+            <a:avLst/>
+          </a:prstGeom>
+          <a:ln>
+            <a:prstDash val="dash"/>
+          </a:ln>
+        </p:spPr>
+        <p:style>
+          <a:lnRef idx="1">
+            <a:schemeClr val="dk1"/>
+          </a:lnRef>
+          <a:fillRef idx="0">
+            <a:schemeClr val="dk1"/>
+          </a:fillRef>
+          <a:effectRef idx="0">
+            <a:schemeClr val="dk1"/>
+          </a:effectRef>
+          <a:fontRef idx="minor">
+            <a:schemeClr val="tx1"/>
+          </a:fontRef>
+        </p:style>
+      </p:cxnSp>
+      <p:sp>
+        <p:nvSpPr>
+          <p:cNvPr id="31" name="テキスト ボックス 30">
+            <a:extLst>
+              <a:ext uri="{FF2B5EF4-FFF2-40B4-BE49-F238E27FC236}">
+                <a16:creationId xmlns:a16="http://schemas.microsoft.com/office/drawing/2014/main" id="{4D8C3550-3661-46C7-88A5-8BA7105624D1}"/>
+              </a:ext>
+            </a:extLst>
+          </p:cNvPr>
+          <p:cNvSpPr txBox="1"/>
+          <p:nvPr/>
+        </p:nvSpPr>
+        <p:spPr>
+          <a:xfrm>
+            <a:off x="678869" y="4602429"/>
+            <a:ext cx="2175167" cy="461665"/>
+          </a:xfrm>
+          <a:prstGeom prst="rect">
+            <a:avLst/>
+          </a:prstGeom>
+          <a:noFill/>
+        </p:spPr>
+        <p:txBody>
+          <a:bodyPr wrap="square" rtlCol="0">
+            <a:spAutoFit/>
+          </a:bodyPr>
+          <a:lstStyle/>
+          <a:p>
+            <a:r>
+              <a:rPr kumimoji="1" lang="en-US" altLang="ja-JP" sz="800" dirty="0">
+                <a:latin typeface="Meiryo UI" panose="020B0604030504040204" pitchFamily="50" charset="-128"/>
+                <a:ea typeface="Meiryo UI" panose="020B0604030504040204" pitchFamily="50" charset="-128"/>
+                <a:cs typeface="Aldhabi" panose="01000000000000000000" pitchFamily="2" charset="-78"/>
+              </a:rPr>
+              <a:t>&lt;</a:t>
+            </a:r>
+            <a:r>
+              <a:rPr kumimoji="1" lang="en-US" altLang="ja-JP" sz="800" dirty="0">
+                <a:solidFill>
+                  <a:srgbClr val="C00000"/>
+                </a:solidFill>
+                <a:latin typeface="Meiryo UI" panose="020B0604030504040204" pitchFamily="50" charset="-128"/>
+                <a:ea typeface="Meiryo UI" panose="020B0604030504040204" pitchFamily="50" charset="-128"/>
+                <a:cs typeface="Aldhabi" panose="01000000000000000000" pitchFamily="2" charset="-78"/>
+              </a:rPr>
+              <a:t>button </a:t>
+            </a:r>
+            <a:r>
+              <a:rPr kumimoji="1" lang="en-US" altLang="ja-JP" sz="800" dirty="0" err="1">
+                <a:latin typeface="Meiryo UI" panose="020B0604030504040204" pitchFamily="50" charset="-128"/>
+                <a:ea typeface="Meiryo UI" panose="020B0604030504040204" pitchFamily="50" charset="-128"/>
+                <a:cs typeface="Aldhabi" panose="01000000000000000000" pitchFamily="2" charset="-78"/>
+              </a:rPr>
+              <a:t>onClick</a:t>
+            </a:r>
+            <a:r>
+              <a:rPr kumimoji="1" lang="en-US" altLang="ja-JP" sz="800" dirty="0">
+                <a:latin typeface="Meiryo UI" panose="020B0604030504040204" pitchFamily="50" charset="-128"/>
+                <a:ea typeface="Meiryo UI" panose="020B0604030504040204" pitchFamily="50" charset="-128"/>
+                <a:cs typeface="Aldhabi" panose="01000000000000000000" pitchFamily="2" charset="-78"/>
+              </a:rPr>
+              <a:t>={</a:t>
+            </a:r>
+            <a:r>
+              <a:rPr kumimoji="1" lang="en-US" altLang="ja-JP" sz="800" dirty="0" err="1">
+                <a:solidFill>
+                  <a:schemeClr val="accent2"/>
+                </a:solidFill>
+                <a:latin typeface="Meiryo UI" panose="020B0604030504040204" pitchFamily="50" charset="-128"/>
+                <a:ea typeface="Meiryo UI" panose="020B0604030504040204" pitchFamily="50" charset="-128"/>
+                <a:cs typeface="Aldhabi" panose="01000000000000000000" pitchFamily="2" charset="-78"/>
+              </a:rPr>
+              <a:t>props</a:t>
+            </a:r>
+            <a:r>
+              <a:rPr kumimoji="1" lang="en-US" altLang="ja-JP" sz="800" dirty="0" err="1">
+                <a:latin typeface="Meiryo UI" panose="020B0604030504040204" pitchFamily="50" charset="-128"/>
+                <a:ea typeface="Meiryo UI" panose="020B0604030504040204" pitchFamily="50" charset="-128"/>
+                <a:cs typeface="Aldhabi" panose="01000000000000000000" pitchFamily="2" charset="-78"/>
+              </a:rPr>
+              <a:t>.onClick</a:t>
+            </a:r>
+            <a:r>
+              <a:rPr kumimoji="1" lang="en-US" altLang="ja-JP" sz="800" dirty="0">
+                <a:latin typeface="Meiryo UI" panose="020B0604030504040204" pitchFamily="50" charset="-128"/>
+                <a:ea typeface="Meiryo UI" panose="020B0604030504040204" pitchFamily="50" charset="-128"/>
+                <a:cs typeface="Aldhabi" panose="01000000000000000000" pitchFamily="2" charset="-78"/>
+              </a:rPr>
+              <a:t>}&gt;</a:t>
+            </a:r>
+          </a:p>
+          <a:p>
+            <a:r>
+              <a:rPr kumimoji="1" lang="en-US" altLang="ja-JP" sz="800" dirty="0">
+                <a:solidFill>
+                  <a:schemeClr val="accent2"/>
+                </a:solidFill>
+                <a:latin typeface="Meiryo UI" panose="020B0604030504040204" pitchFamily="50" charset="-128"/>
+                <a:ea typeface="Meiryo UI" panose="020B0604030504040204" pitchFamily="50" charset="-128"/>
+                <a:cs typeface="Aldhabi" panose="01000000000000000000" pitchFamily="2" charset="-78"/>
+              </a:rPr>
+              <a:t>    </a:t>
+            </a:r>
+            <a:r>
+              <a:rPr kumimoji="1" lang="en-US" altLang="ja-JP" sz="800" dirty="0" err="1">
+                <a:solidFill>
+                  <a:schemeClr val="accent2"/>
+                </a:solidFill>
+                <a:latin typeface="Meiryo UI" panose="020B0604030504040204" pitchFamily="50" charset="-128"/>
+                <a:ea typeface="Meiryo UI" panose="020B0604030504040204" pitchFamily="50" charset="-128"/>
+                <a:cs typeface="Aldhabi" panose="01000000000000000000" pitchFamily="2" charset="-78"/>
+              </a:rPr>
+              <a:t>props</a:t>
+            </a:r>
+            <a:r>
+              <a:rPr kumimoji="1" lang="en-US" altLang="ja-JP" sz="800" dirty="0" err="1">
+                <a:latin typeface="Meiryo UI" panose="020B0604030504040204" pitchFamily="50" charset="-128"/>
+                <a:ea typeface="Meiryo UI" panose="020B0604030504040204" pitchFamily="50" charset="-128"/>
+                <a:cs typeface="Aldhabi" panose="01000000000000000000" pitchFamily="2" charset="-78"/>
+              </a:rPr>
+              <a:t>.buttonLabel</a:t>
+            </a:r>
+            <a:endParaRPr kumimoji="1" lang="en-US" altLang="ja-JP" sz="800" dirty="0">
+              <a:latin typeface="Meiryo UI" panose="020B0604030504040204" pitchFamily="50" charset="-128"/>
+              <a:ea typeface="Meiryo UI" panose="020B0604030504040204" pitchFamily="50" charset="-128"/>
+              <a:cs typeface="Aldhabi" panose="01000000000000000000" pitchFamily="2" charset="-78"/>
+            </a:endParaRPr>
+          </a:p>
+          <a:p>
+            <a:r>
+              <a:rPr kumimoji="1" lang="en-US" altLang="ja-JP" sz="800" dirty="0">
+                <a:latin typeface="Meiryo UI" panose="020B0604030504040204" pitchFamily="50" charset="-128"/>
+                <a:ea typeface="Meiryo UI" panose="020B0604030504040204" pitchFamily="50" charset="-128"/>
+                <a:cs typeface="Aldhabi" panose="01000000000000000000" pitchFamily="2" charset="-78"/>
+              </a:rPr>
+              <a:t>&lt;</a:t>
+            </a:r>
+            <a:r>
+              <a:rPr kumimoji="1" lang="en-US" altLang="ja-JP" sz="800" dirty="0">
+                <a:solidFill>
+                  <a:srgbClr val="C00000"/>
+                </a:solidFill>
+                <a:latin typeface="Meiryo UI" panose="020B0604030504040204" pitchFamily="50" charset="-128"/>
+                <a:ea typeface="Meiryo UI" panose="020B0604030504040204" pitchFamily="50" charset="-128"/>
+                <a:cs typeface="Aldhabi" panose="01000000000000000000" pitchFamily="2" charset="-78"/>
+              </a:rPr>
+              <a:t>/button</a:t>
+            </a:r>
+            <a:r>
+              <a:rPr kumimoji="1" lang="en-US" altLang="ja-JP" sz="800" dirty="0">
+                <a:latin typeface="Meiryo UI" panose="020B0604030504040204" pitchFamily="50" charset="-128"/>
+                <a:ea typeface="Meiryo UI" panose="020B0604030504040204" pitchFamily="50" charset="-128"/>
+                <a:cs typeface="Aldhabi" panose="01000000000000000000" pitchFamily="2" charset="-78"/>
+              </a:rPr>
+              <a:t>&gt;</a:t>
+            </a:r>
+            <a:endParaRPr kumimoji="1" lang="ja-JP" altLang="en-US" sz="800" dirty="0">
+              <a:latin typeface="Meiryo UI" panose="020B0604030504040204" pitchFamily="50" charset="-128"/>
+              <a:ea typeface="Meiryo UI" panose="020B0604030504040204" pitchFamily="50" charset="-128"/>
+              <a:cs typeface="Aldhabi" panose="01000000000000000000" pitchFamily="2" charset="-78"/>
+            </a:endParaRPr>
+          </a:p>
+        </p:txBody>
+      </p:sp>
+      <p:sp>
+        <p:nvSpPr>
+          <p:cNvPr id="32" name="テキスト ボックス 31">
+            <a:extLst>
+              <a:ext uri="{FF2B5EF4-FFF2-40B4-BE49-F238E27FC236}">
+                <a16:creationId xmlns:a16="http://schemas.microsoft.com/office/drawing/2014/main" id="{733137BF-B345-43A2-8419-D072AD411D18}"/>
+              </a:ext>
+            </a:extLst>
+          </p:cNvPr>
+          <p:cNvSpPr txBox="1"/>
+          <p:nvPr/>
+        </p:nvSpPr>
+        <p:spPr>
+          <a:xfrm>
+            <a:off x="2643680" y="4605558"/>
+            <a:ext cx="1310641" cy="215444"/>
+          </a:xfrm>
+          <a:prstGeom prst="rect">
+            <a:avLst/>
+          </a:prstGeom>
+          <a:noFill/>
+        </p:spPr>
+        <p:txBody>
+          <a:bodyPr wrap="square" rtlCol="0">
+            <a:spAutoFit/>
+          </a:bodyPr>
+          <a:lstStyle/>
+          <a:p>
+            <a:r>
+              <a:rPr kumimoji="1" lang="en-US" altLang="ja-JP" sz="800" dirty="0">
+                <a:latin typeface="Meiryo UI" panose="020B0604030504040204" pitchFamily="50" charset="-128"/>
+                <a:ea typeface="Meiryo UI" panose="020B0604030504040204" pitchFamily="50" charset="-128"/>
+                <a:cs typeface="Aldhabi" panose="01000000000000000000" pitchFamily="2" charset="-78"/>
+              </a:rPr>
+              <a:t>&lt;</a:t>
+            </a:r>
+            <a:r>
+              <a:rPr kumimoji="1" lang="en-US" altLang="ja-JP" sz="800" dirty="0">
+                <a:solidFill>
+                  <a:srgbClr val="C00000"/>
+                </a:solidFill>
+                <a:latin typeface="Meiryo UI" panose="020B0604030504040204" pitchFamily="50" charset="-128"/>
+                <a:ea typeface="Meiryo UI" panose="020B0604030504040204" pitchFamily="50" charset="-128"/>
+                <a:cs typeface="Aldhabi" panose="01000000000000000000" pitchFamily="2" charset="-78"/>
+              </a:rPr>
+              <a:t>p</a:t>
+            </a:r>
+            <a:r>
+              <a:rPr kumimoji="1" lang="en-US" altLang="ja-JP" sz="800" dirty="0">
+                <a:latin typeface="Meiryo UI" panose="020B0604030504040204" pitchFamily="50" charset="-128"/>
+                <a:ea typeface="Meiryo UI" panose="020B0604030504040204" pitchFamily="50" charset="-128"/>
+                <a:cs typeface="Aldhabi" panose="01000000000000000000" pitchFamily="2" charset="-78"/>
+              </a:rPr>
+              <a:t>&gt;</a:t>
+            </a:r>
+            <a:r>
+              <a:rPr kumimoji="1" lang="en-US" altLang="ja-JP" sz="800" dirty="0" err="1">
+                <a:solidFill>
+                  <a:schemeClr val="accent2"/>
+                </a:solidFill>
+                <a:latin typeface="Meiryo UI" panose="020B0604030504040204" pitchFamily="50" charset="-128"/>
+                <a:ea typeface="Meiryo UI" panose="020B0604030504040204" pitchFamily="50" charset="-128"/>
+                <a:cs typeface="Aldhabi" panose="01000000000000000000" pitchFamily="2" charset="-78"/>
+              </a:rPr>
+              <a:t>props</a:t>
+            </a:r>
+            <a:r>
+              <a:rPr kumimoji="1" lang="en-US" altLang="ja-JP" sz="800" dirty="0" err="1">
+                <a:latin typeface="Meiryo UI" panose="020B0604030504040204" pitchFamily="50" charset="-128"/>
+                <a:ea typeface="Meiryo UI" panose="020B0604030504040204" pitchFamily="50" charset="-128"/>
+                <a:cs typeface="Aldhabi" panose="01000000000000000000" pitchFamily="2" charset="-78"/>
+              </a:rPr>
+              <a:t>.label</a:t>
+            </a:r>
+            <a:r>
+              <a:rPr kumimoji="1" lang="en-US" altLang="ja-JP" sz="800" dirty="0">
+                <a:latin typeface="Meiryo UI" panose="020B0604030504040204" pitchFamily="50" charset="-128"/>
+                <a:ea typeface="Meiryo UI" panose="020B0604030504040204" pitchFamily="50" charset="-128"/>
+                <a:cs typeface="Aldhabi" panose="01000000000000000000" pitchFamily="2" charset="-78"/>
+              </a:rPr>
+              <a:t>&lt;</a:t>
+            </a:r>
+            <a:r>
+              <a:rPr kumimoji="1" lang="en-US" altLang="ja-JP" sz="800" dirty="0">
+                <a:solidFill>
+                  <a:srgbClr val="C00000"/>
+                </a:solidFill>
+                <a:latin typeface="Meiryo UI" panose="020B0604030504040204" pitchFamily="50" charset="-128"/>
+                <a:ea typeface="Meiryo UI" panose="020B0604030504040204" pitchFamily="50" charset="-128"/>
+                <a:cs typeface="Aldhabi" panose="01000000000000000000" pitchFamily="2" charset="-78"/>
+              </a:rPr>
+              <a:t>/p</a:t>
+            </a:r>
+            <a:r>
+              <a:rPr kumimoji="1" lang="en-US" altLang="ja-JP" sz="800" dirty="0">
+                <a:latin typeface="Meiryo UI" panose="020B0604030504040204" pitchFamily="50" charset="-128"/>
+                <a:ea typeface="Meiryo UI" panose="020B0604030504040204" pitchFamily="50" charset="-128"/>
+                <a:cs typeface="Aldhabi" panose="01000000000000000000" pitchFamily="2" charset="-78"/>
+              </a:rPr>
+              <a:t>&gt;</a:t>
+            </a:r>
+            <a:endParaRPr kumimoji="1" lang="ja-JP" altLang="en-US" sz="800" dirty="0">
+              <a:latin typeface="Meiryo UI" panose="020B0604030504040204" pitchFamily="50" charset="-128"/>
+              <a:ea typeface="Meiryo UI" panose="020B0604030504040204" pitchFamily="50" charset="-128"/>
+              <a:cs typeface="Aldhabi" panose="01000000000000000000" pitchFamily="2" charset="-78"/>
+            </a:endParaRPr>
+          </a:p>
+        </p:txBody>
+      </p:sp>
+      <p:sp>
+        <p:nvSpPr>
+          <p:cNvPr id="33" name="テキスト ボックス 32">
+            <a:extLst>
+              <a:ext uri="{FF2B5EF4-FFF2-40B4-BE49-F238E27FC236}">
+                <a16:creationId xmlns:a16="http://schemas.microsoft.com/office/drawing/2014/main" id="{0E986E8C-AB6F-4C6A-8AC4-A6BB1DD30D1B}"/>
+              </a:ext>
+            </a:extLst>
+          </p:cNvPr>
+          <p:cNvSpPr txBox="1"/>
+          <p:nvPr/>
+        </p:nvSpPr>
+        <p:spPr>
+          <a:xfrm>
+            <a:off x="3610286" y="3468875"/>
+            <a:ext cx="3233734" cy="954107"/>
+          </a:xfrm>
+          <a:prstGeom prst="rect">
+            <a:avLst/>
+          </a:prstGeom>
+          <a:noFill/>
+        </p:spPr>
+        <p:txBody>
+          <a:bodyPr wrap="square" rtlCol="0">
+            <a:spAutoFit/>
+          </a:bodyPr>
+          <a:lstStyle/>
+          <a:p>
+            <a:r>
+              <a:rPr kumimoji="1" lang="en-US" altLang="ja-JP" sz="800" dirty="0">
+                <a:latin typeface="Meiryo UI" panose="020B0604030504040204" pitchFamily="50" charset="-128"/>
+                <a:ea typeface="Meiryo UI" panose="020B0604030504040204" pitchFamily="50" charset="-128"/>
+                <a:cs typeface="Aldhabi" panose="01000000000000000000" pitchFamily="2" charset="-78"/>
+              </a:rPr>
+              <a:t>&lt;</a:t>
+            </a:r>
+            <a:r>
+              <a:rPr kumimoji="1" lang="en-US" altLang="ja-JP" sz="800" dirty="0">
+                <a:solidFill>
+                  <a:srgbClr val="C00000"/>
+                </a:solidFill>
+                <a:latin typeface="Meiryo UI" panose="020B0604030504040204" pitchFamily="50" charset="-128"/>
+                <a:ea typeface="Meiryo UI" panose="020B0604030504040204" pitchFamily="50" charset="-128"/>
+                <a:cs typeface="Aldhabi" panose="01000000000000000000" pitchFamily="2" charset="-78"/>
+              </a:rPr>
+              <a:t>div</a:t>
+            </a:r>
+            <a:r>
+              <a:rPr kumimoji="1" lang="en-US" altLang="ja-JP" sz="800" dirty="0">
+                <a:latin typeface="Meiryo UI" panose="020B0604030504040204" pitchFamily="50" charset="-128"/>
+                <a:ea typeface="Meiryo UI" panose="020B0604030504040204" pitchFamily="50" charset="-128"/>
+                <a:cs typeface="Aldhabi" panose="01000000000000000000" pitchFamily="2" charset="-78"/>
+              </a:rPr>
+              <a:t>&gt;</a:t>
+            </a:r>
+          </a:p>
+          <a:p>
+            <a:r>
+              <a:rPr kumimoji="1" lang="en-US" altLang="ja-JP" sz="800" dirty="0">
+                <a:latin typeface="Meiryo UI" panose="020B0604030504040204" pitchFamily="50" charset="-128"/>
+                <a:ea typeface="Meiryo UI" panose="020B0604030504040204" pitchFamily="50" charset="-128"/>
+                <a:cs typeface="Aldhabi" panose="01000000000000000000" pitchFamily="2" charset="-78"/>
+              </a:rPr>
+              <a:t>    &lt;</a:t>
+            </a:r>
+            <a:r>
+              <a:rPr kumimoji="1" lang="en-US" altLang="ja-JP" sz="800" dirty="0">
+                <a:solidFill>
+                  <a:schemeClr val="accent1"/>
+                </a:solidFill>
+                <a:latin typeface="Meiryo UI" panose="020B0604030504040204" pitchFamily="50" charset="-128"/>
+                <a:ea typeface="Meiryo UI" panose="020B0604030504040204" pitchFamily="50" charset="-128"/>
+                <a:cs typeface="Aldhabi" panose="01000000000000000000" pitchFamily="2" charset="-78"/>
+              </a:rPr>
+              <a:t>Button </a:t>
+            </a:r>
+          </a:p>
+          <a:p>
+            <a:r>
+              <a:rPr kumimoji="1" lang="en-US" altLang="ja-JP" sz="800" dirty="0">
+                <a:solidFill>
+                  <a:schemeClr val="accent1"/>
+                </a:solidFill>
+                <a:latin typeface="Meiryo UI" panose="020B0604030504040204" pitchFamily="50" charset="-128"/>
+                <a:ea typeface="Meiryo UI" panose="020B0604030504040204" pitchFamily="50" charset="-128"/>
+                <a:cs typeface="Aldhabi" panose="01000000000000000000" pitchFamily="2" charset="-78"/>
+              </a:rPr>
+              <a:t>        </a:t>
+            </a:r>
+            <a:r>
+              <a:rPr kumimoji="1" lang="en-US" altLang="ja-JP" sz="800" dirty="0" err="1">
+                <a:latin typeface="Meiryo UI" panose="020B0604030504040204" pitchFamily="50" charset="-128"/>
+                <a:ea typeface="Meiryo UI" panose="020B0604030504040204" pitchFamily="50" charset="-128"/>
+                <a:cs typeface="Aldhabi" panose="01000000000000000000" pitchFamily="2" charset="-78"/>
+              </a:rPr>
+              <a:t>buttonLabel</a:t>
+            </a:r>
+            <a:r>
+              <a:rPr kumimoji="1" lang="en-US" altLang="ja-JP" sz="800" dirty="0">
+                <a:latin typeface="Meiryo UI" panose="020B0604030504040204" pitchFamily="50" charset="-128"/>
+                <a:ea typeface="Meiryo UI" panose="020B0604030504040204" pitchFamily="50" charset="-128"/>
+                <a:cs typeface="Aldhabi" panose="01000000000000000000" pitchFamily="2" charset="-78"/>
+              </a:rPr>
+              <a:t>={</a:t>
+            </a:r>
+            <a:r>
+              <a:rPr kumimoji="1" lang="en-US" altLang="ja-JP" sz="800" dirty="0" err="1">
+                <a:solidFill>
+                  <a:srgbClr val="00B050"/>
+                </a:solidFill>
+                <a:latin typeface="Meiryo UI" panose="020B0604030504040204" pitchFamily="50" charset="-128"/>
+                <a:ea typeface="Meiryo UI" panose="020B0604030504040204" pitchFamily="50" charset="-128"/>
+                <a:cs typeface="Aldhabi" panose="01000000000000000000" pitchFamily="2" charset="-78"/>
+              </a:rPr>
+              <a:t>state</a:t>
+            </a:r>
+            <a:r>
+              <a:rPr kumimoji="1" lang="en-US" altLang="ja-JP" sz="800" dirty="0" err="1">
+                <a:latin typeface="Meiryo UI" panose="020B0604030504040204" pitchFamily="50" charset="-128"/>
+                <a:ea typeface="Meiryo UI" panose="020B0604030504040204" pitchFamily="50" charset="-128"/>
+                <a:cs typeface="Aldhabi" panose="01000000000000000000" pitchFamily="2" charset="-78"/>
+              </a:rPr>
+              <a:t>.buttonLabel</a:t>
+            </a:r>
+            <a:r>
+              <a:rPr kumimoji="1" lang="en-US" altLang="ja-JP" sz="800" dirty="0">
+                <a:latin typeface="Meiryo UI" panose="020B0604030504040204" pitchFamily="50" charset="-128"/>
+                <a:ea typeface="Meiryo UI" panose="020B0604030504040204" pitchFamily="50" charset="-128"/>
+                <a:cs typeface="Aldhabi" panose="01000000000000000000" pitchFamily="2" charset="-78"/>
+              </a:rPr>
+              <a:t>} </a:t>
+            </a:r>
+          </a:p>
+          <a:p>
+            <a:r>
+              <a:rPr kumimoji="1" lang="en-US" altLang="ja-JP" sz="800" dirty="0">
+                <a:solidFill>
+                  <a:schemeClr val="accent1"/>
+                </a:solidFill>
+                <a:latin typeface="Meiryo UI" panose="020B0604030504040204" pitchFamily="50" charset="-128"/>
+                <a:ea typeface="Meiryo UI" panose="020B0604030504040204" pitchFamily="50" charset="-128"/>
+                <a:cs typeface="Aldhabi" panose="01000000000000000000" pitchFamily="2" charset="-78"/>
+              </a:rPr>
+              <a:t>        </a:t>
+            </a:r>
+            <a:r>
+              <a:rPr kumimoji="1" lang="en-US" altLang="ja-JP" sz="800" dirty="0" err="1">
+                <a:latin typeface="Meiryo UI" panose="020B0604030504040204" pitchFamily="50" charset="-128"/>
+                <a:ea typeface="Meiryo UI" panose="020B0604030504040204" pitchFamily="50" charset="-128"/>
+                <a:cs typeface="Aldhabi" panose="01000000000000000000" pitchFamily="2" charset="-78"/>
+              </a:rPr>
+              <a:t>onClick</a:t>
+            </a:r>
+            <a:r>
+              <a:rPr kumimoji="1" lang="en-US" altLang="ja-JP" sz="800" dirty="0">
+                <a:latin typeface="Meiryo UI" panose="020B0604030504040204" pitchFamily="50" charset="-128"/>
+                <a:ea typeface="Meiryo UI" panose="020B0604030504040204" pitchFamily="50" charset="-128"/>
+                <a:cs typeface="Aldhabi" panose="01000000000000000000" pitchFamily="2" charset="-78"/>
+              </a:rPr>
+              <a:t>={</a:t>
+            </a:r>
+            <a:r>
+              <a:rPr kumimoji="1" lang="en-US" altLang="ja-JP" sz="800" dirty="0" err="1">
+                <a:solidFill>
+                  <a:srgbClr val="7030A0"/>
+                </a:solidFill>
+                <a:latin typeface="Meiryo UI" panose="020B0604030504040204" pitchFamily="50" charset="-128"/>
+                <a:ea typeface="Meiryo UI" panose="020B0604030504040204" pitchFamily="50" charset="-128"/>
+                <a:cs typeface="Aldhabi" panose="01000000000000000000" pitchFamily="2" charset="-78"/>
+              </a:rPr>
+              <a:t>setLabel</a:t>
+            </a:r>
+            <a:r>
+              <a:rPr kumimoji="1" lang="en-US" altLang="ja-JP" sz="800" dirty="0">
+                <a:latin typeface="Meiryo UI" panose="020B0604030504040204" pitchFamily="50" charset="-128"/>
+                <a:ea typeface="Meiryo UI" panose="020B0604030504040204" pitchFamily="50" charset="-128"/>
+                <a:cs typeface="Aldhabi" panose="01000000000000000000" pitchFamily="2" charset="-78"/>
+              </a:rPr>
+              <a:t>}</a:t>
+            </a:r>
+          </a:p>
+          <a:p>
+            <a:r>
+              <a:rPr kumimoji="1" lang="en-US" altLang="ja-JP" sz="800" dirty="0">
+                <a:solidFill>
+                  <a:schemeClr val="accent1"/>
+                </a:solidFill>
+                <a:latin typeface="Meiryo UI" panose="020B0604030504040204" pitchFamily="50" charset="-128"/>
+                <a:ea typeface="Meiryo UI" panose="020B0604030504040204" pitchFamily="50" charset="-128"/>
+                <a:cs typeface="Aldhabi" panose="01000000000000000000" pitchFamily="2" charset="-78"/>
+              </a:rPr>
+              <a:t>     /</a:t>
+            </a:r>
+            <a:r>
+              <a:rPr kumimoji="1" lang="en-US" altLang="ja-JP" sz="800" dirty="0">
+                <a:latin typeface="Meiryo UI" panose="020B0604030504040204" pitchFamily="50" charset="-128"/>
+                <a:ea typeface="Meiryo UI" panose="020B0604030504040204" pitchFamily="50" charset="-128"/>
+                <a:cs typeface="Aldhabi" panose="01000000000000000000" pitchFamily="2" charset="-78"/>
+              </a:rPr>
+              <a:t>&gt;</a:t>
+            </a:r>
+          </a:p>
+          <a:p>
+            <a:r>
+              <a:rPr kumimoji="1" lang="en-US" altLang="ja-JP" sz="800" dirty="0">
+                <a:latin typeface="Meiryo UI" panose="020B0604030504040204" pitchFamily="50" charset="-128"/>
+                <a:ea typeface="Meiryo UI" panose="020B0604030504040204" pitchFamily="50" charset="-128"/>
+                <a:cs typeface="Aldhabi" panose="01000000000000000000" pitchFamily="2" charset="-78"/>
+              </a:rPr>
+              <a:t>    &lt;</a:t>
+            </a:r>
+            <a:r>
+              <a:rPr kumimoji="1" lang="en-US" altLang="ja-JP" sz="800" dirty="0">
+                <a:solidFill>
+                  <a:schemeClr val="accent1"/>
+                </a:solidFill>
+                <a:latin typeface="Meiryo UI" panose="020B0604030504040204" pitchFamily="50" charset="-128"/>
+                <a:ea typeface="Meiryo UI" panose="020B0604030504040204" pitchFamily="50" charset="-128"/>
+                <a:cs typeface="Aldhabi" panose="01000000000000000000" pitchFamily="2" charset="-78"/>
+              </a:rPr>
+              <a:t>Label </a:t>
+            </a:r>
+            <a:r>
+              <a:rPr kumimoji="1" lang="en-US" altLang="ja-JP" sz="800" dirty="0">
+                <a:latin typeface="Meiryo UI" panose="020B0604030504040204" pitchFamily="50" charset="-128"/>
+                <a:ea typeface="Meiryo UI" panose="020B0604030504040204" pitchFamily="50" charset="-128"/>
+                <a:cs typeface="Aldhabi" panose="01000000000000000000" pitchFamily="2" charset="-78"/>
+              </a:rPr>
+              <a:t>label={</a:t>
+            </a:r>
+            <a:r>
+              <a:rPr kumimoji="1" lang="en-US" altLang="ja-JP" sz="800" dirty="0" err="1">
+                <a:solidFill>
+                  <a:srgbClr val="00B050"/>
+                </a:solidFill>
+                <a:latin typeface="Meiryo UI" panose="020B0604030504040204" pitchFamily="50" charset="-128"/>
+                <a:ea typeface="Meiryo UI" panose="020B0604030504040204" pitchFamily="50" charset="-128"/>
+                <a:cs typeface="Aldhabi" panose="01000000000000000000" pitchFamily="2" charset="-78"/>
+              </a:rPr>
+              <a:t>state</a:t>
+            </a:r>
+            <a:r>
+              <a:rPr kumimoji="1" lang="en-US" altLang="ja-JP" sz="800" dirty="0" err="1">
+                <a:latin typeface="Meiryo UI" panose="020B0604030504040204" pitchFamily="50" charset="-128"/>
+                <a:ea typeface="Meiryo UI" panose="020B0604030504040204" pitchFamily="50" charset="-128"/>
+                <a:cs typeface="Aldhabi" panose="01000000000000000000" pitchFamily="2" charset="-78"/>
+              </a:rPr>
+              <a:t>.label</a:t>
+            </a:r>
+            <a:r>
+              <a:rPr kumimoji="1" lang="en-US" altLang="ja-JP" sz="800" dirty="0">
+                <a:latin typeface="Meiryo UI" panose="020B0604030504040204" pitchFamily="50" charset="-128"/>
+                <a:ea typeface="Meiryo UI" panose="020B0604030504040204" pitchFamily="50" charset="-128"/>
+                <a:cs typeface="Aldhabi" panose="01000000000000000000" pitchFamily="2" charset="-78"/>
+              </a:rPr>
+              <a:t>} </a:t>
+            </a:r>
+            <a:r>
+              <a:rPr kumimoji="1" lang="en-US" altLang="ja-JP" sz="800" dirty="0">
+                <a:solidFill>
+                  <a:schemeClr val="accent1"/>
+                </a:solidFill>
+                <a:latin typeface="Meiryo UI" panose="020B0604030504040204" pitchFamily="50" charset="-128"/>
+                <a:ea typeface="Meiryo UI" panose="020B0604030504040204" pitchFamily="50" charset="-128"/>
+                <a:cs typeface="Aldhabi" panose="01000000000000000000" pitchFamily="2" charset="-78"/>
+              </a:rPr>
+              <a:t>/</a:t>
+            </a:r>
+            <a:r>
+              <a:rPr kumimoji="1" lang="en-US" altLang="ja-JP" sz="800" dirty="0">
+                <a:latin typeface="Meiryo UI" panose="020B0604030504040204" pitchFamily="50" charset="-128"/>
+                <a:ea typeface="Meiryo UI" panose="020B0604030504040204" pitchFamily="50" charset="-128"/>
+                <a:cs typeface="Aldhabi" panose="01000000000000000000" pitchFamily="2" charset="-78"/>
+              </a:rPr>
+              <a:t>&gt;</a:t>
+            </a:r>
+          </a:p>
+          <a:p>
+            <a:r>
+              <a:rPr kumimoji="1" lang="en-US" altLang="ja-JP" sz="800" dirty="0">
+                <a:latin typeface="Meiryo UI" panose="020B0604030504040204" pitchFamily="50" charset="-128"/>
+                <a:ea typeface="Meiryo UI" panose="020B0604030504040204" pitchFamily="50" charset="-128"/>
+                <a:cs typeface="Aldhabi" panose="01000000000000000000" pitchFamily="2" charset="-78"/>
+              </a:rPr>
+              <a:t>&lt;</a:t>
+            </a:r>
+            <a:r>
+              <a:rPr kumimoji="1" lang="en-US" altLang="ja-JP" sz="800" dirty="0">
+                <a:solidFill>
+                  <a:srgbClr val="C00000"/>
+                </a:solidFill>
+                <a:latin typeface="Meiryo UI" panose="020B0604030504040204" pitchFamily="50" charset="-128"/>
+                <a:ea typeface="Meiryo UI" panose="020B0604030504040204" pitchFamily="50" charset="-128"/>
+                <a:cs typeface="Aldhabi" panose="01000000000000000000" pitchFamily="2" charset="-78"/>
+              </a:rPr>
+              <a:t>/div</a:t>
+            </a:r>
+            <a:r>
+              <a:rPr kumimoji="1" lang="en-US" altLang="ja-JP" sz="800" dirty="0">
+                <a:latin typeface="Meiryo UI" panose="020B0604030504040204" pitchFamily="50" charset="-128"/>
+                <a:ea typeface="Meiryo UI" panose="020B0604030504040204" pitchFamily="50" charset="-128"/>
+                <a:cs typeface="Aldhabi" panose="01000000000000000000" pitchFamily="2" charset="-78"/>
+              </a:rPr>
+              <a:t>&gt;</a:t>
+            </a:r>
+            <a:endParaRPr kumimoji="1" lang="ja-JP" altLang="en-US" sz="800" dirty="0">
+              <a:latin typeface="Meiryo UI" panose="020B0604030504040204" pitchFamily="50" charset="-128"/>
+              <a:ea typeface="Meiryo UI" panose="020B0604030504040204" pitchFamily="50" charset="-128"/>
+              <a:cs typeface="Aldhabi" panose="01000000000000000000" pitchFamily="2" charset="-78"/>
+            </a:endParaRPr>
+          </a:p>
+        </p:txBody>
+      </p:sp>
+      <p:cxnSp>
+        <p:nvCxnSpPr>
+          <p:cNvPr id="35" name="直線コネクタ 34">
+            <a:extLst>
+              <a:ext uri="{FF2B5EF4-FFF2-40B4-BE49-F238E27FC236}">
+                <a16:creationId xmlns:a16="http://schemas.microsoft.com/office/drawing/2014/main" id="{8B3979D7-7959-4A4F-B9C2-E2422351D6CE}"/>
+              </a:ext>
+            </a:extLst>
+          </p:cNvPr>
+          <p:cNvCxnSpPr>
+            <a:cxnSpLocks/>
+            <a:endCxn id="23" idx="2"/>
+          </p:cNvCxnSpPr>
+          <p:nvPr/>
+        </p:nvCxnSpPr>
+        <p:spPr>
+          <a:xfrm flipH="1" flipV="1">
+            <a:off x="3646508" y="3140284"/>
+            <a:ext cx="610985" cy="279003"/>
+          </a:xfrm>
+          <a:prstGeom prst="line">
+            <a:avLst/>
+          </a:prstGeom>
+          <a:ln>
+            <a:prstDash val="dash"/>
+          </a:ln>
+        </p:spPr>
+        <p:style>
+          <a:lnRef idx="1">
+            <a:schemeClr val="dk1"/>
+          </a:lnRef>
+          <a:fillRef idx="0">
+            <a:schemeClr val="dk1"/>
+          </a:fillRef>
+          <a:effectRef idx="0">
+            <a:schemeClr val="dk1"/>
+          </a:effectRef>
+          <a:fontRef idx="minor">
+            <a:schemeClr val="tx1"/>
+          </a:fontRef>
+        </p:style>
+      </p:cxnSp>
+      <p:sp>
+        <p:nvSpPr>
+          <p:cNvPr id="38" name="テキスト ボックス 37">
+            <a:extLst>
+              <a:ext uri="{FF2B5EF4-FFF2-40B4-BE49-F238E27FC236}">
+                <a16:creationId xmlns:a16="http://schemas.microsoft.com/office/drawing/2014/main" id="{B328B546-F399-4F66-969A-ED1AAFE58DB0}"/>
+              </a:ext>
+            </a:extLst>
+          </p:cNvPr>
+          <p:cNvSpPr txBox="1"/>
+          <p:nvPr/>
+        </p:nvSpPr>
+        <p:spPr>
+          <a:xfrm>
+            <a:off x="1057098" y="4243462"/>
+            <a:ext cx="638352" cy="215444"/>
+          </a:xfrm>
+          <a:prstGeom prst="rect">
+            <a:avLst/>
+          </a:prstGeom>
+          <a:noFill/>
+        </p:spPr>
+        <p:txBody>
+          <a:bodyPr wrap="square" rtlCol="0">
+            <a:spAutoFit/>
+          </a:bodyPr>
+          <a:lstStyle/>
+          <a:p>
+            <a:r>
+              <a:rPr kumimoji="1" lang="en-US" altLang="ja-JP" sz="800" dirty="0">
+                <a:latin typeface="Meiryo UI" panose="020B0604030504040204" pitchFamily="50" charset="-128"/>
+                <a:ea typeface="Meiryo UI" panose="020B0604030504040204" pitchFamily="50" charset="-128"/>
+                <a:cs typeface="Aldhabi" panose="01000000000000000000" pitchFamily="2" charset="-78"/>
+              </a:rPr>
+              <a:t>Button.js</a:t>
+            </a:r>
+            <a:endParaRPr kumimoji="1" lang="ja-JP" altLang="en-US" sz="800" dirty="0">
+              <a:latin typeface="Meiryo UI" panose="020B0604030504040204" pitchFamily="50" charset="-128"/>
+              <a:ea typeface="Meiryo UI" panose="020B0604030504040204" pitchFamily="50" charset="-128"/>
+              <a:cs typeface="Aldhabi" panose="01000000000000000000" pitchFamily="2" charset="-78"/>
+            </a:endParaRPr>
+          </a:p>
+        </p:txBody>
+      </p:sp>
+      <p:sp>
+        <p:nvSpPr>
+          <p:cNvPr id="39" name="テキスト ボックス 38">
+            <a:extLst>
+              <a:ext uri="{FF2B5EF4-FFF2-40B4-BE49-F238E27FC236}">
+                <a16:creationId xmlns:a16="http://schemas.microsoft.com/office/drawing/2014/main" id="{36E4BAF2-9BBA-4734-82DB-BC9ED643B617}"/>
+              </a:ext>
+            </a:extLst>
+          </p:cNvPr>
+          <p:cNvSpPr txBox="1"/>
+          <p:nvPr/>
+        </p:nvSpPr>
+        <p:spPr>
+          <a:xfrm>
+            <a:off x="2522908" y="4239499"/>
+            <a:ext cx="638352" cy="215444"/>
+          </a:xfrm>
+          <a:prstGeom prst="rect">
+            <a:avLst/>
+          </a:prstGeom>
+          <a:noFill/>
+        </p:spPr>
+        <p:txBody>
+          <a:bodyPr wrap="square" rtlCol="0">
+            <a:spAutoFit/>
+          </a:bodyPr>
+          <a:lstStyle/>
+          <a:p>
+            <a:r>
+              <a:rPr kumimoji="1" lang="en-US" altLang="ja-JP" sz="800" dirty="0">
+                <a:latin typeface="Meiryo UI" panose="020B0604030504040204" pitchFamily="50" charset="-128"/>
+                <a:ea typeface="Meiryo UI" panose="020B0604030504040204" pitchFamily="50" charset="-128"/>
+                <a:cs typeface="Aldhabi" panose="01000000000000000000" pitchFamily="2" charset="-78"/>
+              </a:rPr>
+              <a:t>Label.js</a:t>
+            </a:r>
+            <a:endParaRPr kumimoji="1" lang="ja-JP" altLang="en-US" sz="800" dirty="0">
+              <a:latin typeface="Meiryo UI" panose="020B0604030504040204" pitchFamily="50" charset="-128"/>
+              <a:ea typeface="Meiryo UI" panose="020B0604030504040204" pitchFamily="50" charset="-128"/>
+              <a:cs typeface="Aldhabi" panose="01000000000000000000" pitchFamily="2" charset="-78"/>
+            </a:endParaRPr>
+          </a:p>
+        </p:txBody>
+      </p:sp>
+      <p:sp>
+        <p:nvSpPr>
+          <p:cNvPr id="40" name="テキスト ボックス 39">
+            <a:extLst>
+              <a:ext uri="{FF2B5EF4-FFF2-40B4-BE49-F238E27FC236}">
+                <a16:creationId xmlns:a16="http://schemas.microsoft.com/office/drawing/2014/main" id="{D542D3AD-7951-4E7D-9BAD-5AA35F9438CD}"/>
+              </a:ext>
+            </a:extLst>
+          </p:cNvPr>
+          <p:cNvSpPr txBox="1"/>
+          <p:nvPr/>
+        </p:nvSpPr>
+        <p:spPr>
+          <a:xfrm>
+            <a:off x="1790003" y="3740121"/>
+            <a:ext cx="638352" cy="215444"/>
+          </a:xfrm>
+          <a:prstGeom prst="rect">
+            <a:avLst/>
+          </a:prstGeom>
+          <a:noFill/>
+        </p:spPr>
+        <p:txBody>
+          <a:bodyPr wrap="square" rtlCol="0">
+            <a:spAutoFit/>
+          </a:bodyPr>
+          <a:lstStyle/>
+          <a:p>
+            <a:r>
+              <a:rPr kumimoji="1" lang="en-US" altLang="ja-JP" sz="800" dirty="0">
+                <a:latin typeface="Meiryo UI" panose="020B0604030504040204" pitchFamily="50" charset="-128"/>
+                <a:ea typeface="Meiryo UI" panose="020B0604030504040204" pitchFamily="50" charset="-128"/>
+                <a:cs typeface="Aldhabi" panose="01000000000000000000" pitchFamily="2" charset="-78"/>
+              </a:rPr>
+              <a:t>Card.js</a:t>
+            </a:r>
+            <a:endParaRPr kumimoji="1" lang="ja-JP" altLang="en-US" sz="800" dirty="0">
+              <a:latin typeface="Meiryo UI" panose="020B0604030504040204" pitchFamily="50" charset="-128"/>
+              <a:ea typeface="Meiryo UI" panose="020B0604030504040204" pitchFamily="50" charset="-128"/>
+              <a:cs typeface="Aldhabi" panose="01000000000000000000" pitchFamily="2" charset="-78"/>
+            </a:endParaRPr>
+          </a:p>
+        </p:txBody>
+      </p:sp>
+      <p:sp>
+        <p:nvSpPr>
+          <p:cNvPr id="4" name="正方形/長方形 3">
+            <a:extLst>
+              <a:ext uri="{FF2B5EF4-FFF2-40B4-BE49-F238E27FC236}">
+                <a16:creationId xmlns:a16="http://schemas.microsoft.com/office/drawing/2014/main" id="{2B2FB5F4-EFF7-4450-9B6B-A63DF691AF62}"/>
+              </a:ext>
+            </a:extLst>
+          </p:cNvPr>
+          <p:cNvSpPr/>
+          <p:nvPr/>
+        </p:nvSpPr>
+        <p:spPr>
+          <a:xfrm>
+            <a:off x="2798621" y="1649783"/>
+            <a:ext cx="1155700" cy="686750"/>
+          </a:xfrm>
+          <a:prstGeom prst="rect">
+            <a:avLst/>
+          </a:prstGeom>
+        </p:spPr>
+        <p:style>
+          <a:lnRef idx="2">
+            <a:schemeClr val="accent1"/>
+          </a:lnRef>
+          <a:fillRef idx="1">
+            <a:schemeClr val="lt1"/>
+          </a:fillRef>
+          <a:effectRef idx="0">
+            <a:schemeClr val="accent1"/>
+          </a:effectRef>
+          <a:fontRef idx="minor">
+            <a:schemeClr val="dk1"/>
+          </a:fontRef>
+        </p:style>
+        <p:txBody>
+          <a:bodyPr rtlCol="0" anchor="ctr"/>
+          <a:lstStyle/>
+          <a:p>
+            <a:pPr algn="ctr"/>
+            <a:endParaRPr kumimoji="1" lang="ja-JP" altLang="en-US"/>
+          </a:p>
+        </p:txBody>
+      </p:sp>
+      <p:sp>
+        <p:nvSpPr>
+          <p:cNvPr id="24" name="正方形/長方形 23">
+            <a:extLst>
+              <a:ext uri="{FF2B5EF4-FFF2-40B4-BE49-F238E27FC236}">
+                <a16:creationId xmlns:a16="http://schemas.microsoft.com/office/drawing/2014/main" id="{02E20634-204A-433A-BC92-D160CC1FF596}"/>
+              </a:ext>
+            </a:extLst>
+          </p:cNvPr>
+          <p:cNvSpPr/>
+          <p:nvPr/>
+        </p:nvSpPr>
+        <p:spPr>
+          <a:xfrm>
+            <a:off x="2951021" y="1802183"/>
+            <a:ext cx="857250" cy="400050"/>
+          </a:xfrm>
+          <a:prstGeom prst="rect">
+            <a:avLst/>
+          </a:prstGeom>
+        </p:spPr>
+        <p:style>
+          <a:lnRef idx="2">
+            <a:schemeClr val="accent1"/>
+          </a:lnRef>
+          <a:fillRef idx="1">
+            <a:schemeClr val="lt1"/>
+          </a:fillRef>
+          <a:effectRef idx="0">
+            <a:schemeClr val="accent1"/>
+          </a:effectRef>
+          <a:fontRef idx="minor">
+            <a:schemeClr val="dk1"/>
+          </a:fontRef>
+        </p:style>
+        <p:txBody>
+          <a:bodyPr rtlCol="0" anchor="ctr"/>
+          <a:lstStyle/>
+          <a:p>
+            <a:pPr algn="ctr"/>
+            <a:r>
+              <a:rPr kumimoji="1" lang="en-US" altLang="ja-JP" sz="1050" dirty="0" err="1">
+                <a:latin typeface="Meiryo UI" panose="020B0604030504040204" pitchFamily="50" charset="-128"/>
+                <a:ea typeface="Meiryo UI" panose="020B0604030504040204" pitchFamily="50" charset="-128"/>
+              </a:rPr>
+              <a:t>setState</a:t>
+            </a:r>
+            <a:r>
+              <a:rPr kumimoji="1" lang="en-US" altLang="ja-JP" sz="1050" dirty="0">
+                <a:latin typeface="Meiryo UI" panose="020B0604030504040204" pitchFamily="50" charset="-128"/>
+                <a:ea typeface="Meiryo UI" panose="020B0604030504040204" pitchFamily="50" charset="-128"/>
+              </a:rPr>
+              <a:t>()</a:t>
+            </a:r>
+            <a:endParaRPr kumimoji="1" lang="ja-JP" altLang="en-US" sz="1050" dirty="0">
+              <a:latin typeface="Meiryo UI" panose="020B0604030504040204" pitchFamily="50" charset="-128"/>
+              <a:ea typeface="Meiryo UI" panose="020B0604030504040204" pitchFamily="50" charset="-128"/>
+            </a:endParaRPr>
+          </a:p>
+        </p:txBody>
+      </p:sp>
+      <p:sp>
+        <p:nvSpPr>
+          <p:cNvPr id="25" name="正方形/長方形 24">
+            <a:extLst>
+              <a:ext uri="{FF2B5EF4-FFF2-40B4-BE49-F238E27FC236}">
+                <a16:creationId xmlns:a16="http://schemas.microsoft.com/office/drawing/2014/main" id="{CE949285-BFC6-47C2-AB71-7FAB3CA624C9}"/>
+              </a:ext>
+            </a:extLst>
+          </p:cNvPr>
+          <p:cNvSpPr/>
+          <p:nvPr/>
+        </p:nvSpPr>
+        <p:spPr>
+          <a:xfrm>
+            <a:off x="1155468" y="1878973"/>
+            <a:ext cx="1345275" cy="241069"/>
+          </a:xfrm>
+          <a:prstGeom prst="rect">
+            <a:avLst/>
+          </a:prstGeom>
+        </p:spPr>
+        <p:style>
+          <a:lnRef idx="2">
+            <a:schemeClr val="accent1"/>
+          </a:lnRef>
+          <a:fillRef idx="1">
+            <a:schemeClr val="lt1"/>
+          </a:fillRef>
+          <a:effectRef idx="0">
+            <a:schemeClr val="accent1"/>
+          </a:effectRef>
+          <a:fontRef idx="minor">
+            <a:schemeClr val="dk1"/>
+          </a:fontRef>
+        </p:style>
+        <p:txBody>
+          <a:bodyPr rtlCol="0" anchor="ctr"/>
+          <a:lstStyle/>
+          <a:p>
+            <a:pPr algn="ctr"/>
+            <a:r>
+              <a:rPr kumimoji="1" lang="en-US" altLang="ja-JP" sz="1050" dirty="0">
+                <a:latin typeface="Meiryo UI" panose="020B0604030504040204" pitchFamily="50" charset="-128"/>
+                <a:ea typeface="Meiryo UI" panose="020B0604030504040204" pitchFamily="50" charset="-128"/>
+              </a:rPr>
+              <a:t>state(</a:t>
+            </a:r>
+            <a:r>
+              <a:rPr kumimoji="1" lang="ja-JP" altLang="en-US" sz="1050" dirty="0">
+                <a:latin typeface="Meiryo UI" panose="020B0604030504040204" pitchFamily="50" charset="-128"/>
+                <a:ea typeface="Meiryo UI" panose="020B0604030504040204" pitchFamily="50" charset="-128"/>
+              </a:rPr>
+              <a:t>現在の状態</a:t>
+            </a:r>
+            <a:r>
+              <a:rPr kumimoji="1" lang="en-US" altLang="ja-JP" sz="1050" dirty="0">
+                <a:latin typeface="Meiryo UI" panose="020B0604030504040204" pitchFamily="50" charset="-128"/>
+                <a:ea typeface="Meiryo UI" panose="020B0604030504040204" pitchFamily="50" charset="-128"/>
+              </a:rPr>
+              <a:t>)</a:t>
+            </a:r>
+            <a:endParaRPr kumimoji="1" lang="ja-JP" altLang="en-US" sz="1050" dirty="0">
+              <a:latin typeface="Meiryo UI" panose="020B0604030504040204" pitchFamily="50" charset="-128"/>
+              <a:ea typeface="Meiryo UI" panose="020B0604030504040204" pitchFamily="50" charset="-128"/>
+            </a:endParaRPr>
+          </a:p>
+        </p:txBody>
+      </p:sp>
+      <p:sp>
+        <p:nvSpPr>
+          <p:cNvPr id="26" name="正方形/長方形 25">
+            <a:extLst>
+              <a:ext uri="{FF2B5EF4-FFF2-40B4-BE49-F238E27FC236}">
+                <a16:creationId xmlns:a16="http://schemas.microsoft.com/office/drawing/2014/main" id="{098971A5-9BA1-4508-B311-07F9AB178304}"/>
+              </a:ext>
+            </a:extLst>
+          </p:cNvPr>
+          <p:cNvSpPr/>
+          <p:nvPr/>
+        </p:nvSpPr>
+        <p:spPr>
+          <a:xfrm>
+            <a:off x="4269211" y="1885322"/>
+            <a:ext cx="1429218" cy="241069"/>
+          </a:xfrm>
+          <a:prstGeom prst="rect">
+            <a:avLst/>
+          </a:prstGeom>
+        </p:spPr>
+        <p:style>
+          <a:lnRef idx="2">
+            <a:schemeClr val="accent1"/>
+          </a:lnRef>
+          <a:fillRef idx="1">
+            <a:schemeClr val="lt1"/>
+          </a:fillRef>
+          <a:effectRef idx="0">
+            <a:schemeClr val="accent1"/>
+          </a:effectRef>
+          <a:fontRef idx="minor">
+            <a:schemeClr val="dk1"/>
+          </a:fontRef>
+        </p:style>
+        <p:txBody>
+          <a:bodyPr rtlCol="0" anchor="ctr"/>
+          <a:lstStyle/>
+          <a:p>
+            <a:pPr algn="ctr"/>
+            <a:r>
+              <a:rPr kumimoji="1" lang="en-US" altLang="ja-JP" sz="1050" dirty="0">
+                <a:latin typeface="Meiryo UI" panose="020B0604030504040204" pitchFamily="50" charset="-128"/>
+                <a:ea typeface="Meiryo UI" panose="020B0604030504040204" pitchFamily="50" charset="-128"/>
+              </a:rPr>
+              <a:t>state(</a:t>
+            </a:r>
+            <a:r>
+              <a:rPr kumimoji="1" lang="ja-JP" altLang="en-US" sz="1050" dirty="0">
+                <a:latin typeface="Meiryo UI" panose="020B0604030504040204" pitchFamily="50" charset="-128"/>
+                <a:ea typeface="Meiryo UI" panose="020B0604030504040204" pitchFamily="50" charset="-128"/>
+              </a:rPr>
+              <a:t>更新後の状態</a:t>
+            </a:r>
+            <a:r>
+              <a:rPr kumimoji="1" lang="en-US" altLang="ja-JP" sz="1050" dirty="0">
+                <a:latin typeface="Meiryo UI" panose="020B0604030504040204" pitchFamily="50" charset="-128"/>
+                <a:ea typeface="Meiryo UI" panose="020B0604030504040204" pitchFamily="50" charset="-128"/>
+              </a:rPr>
+              <a:t>)</a:t>
+            </a:r>
+            <a:endParaRPr kumimoji="1" lang="ja-JP" altLang="en-US" sz="1050" dirty="0">
+              <a:latin typeface="Meiryo UI" panose="020B0604030504040204" pitchFamily="50" charset="-128"/>
+              <a:ea typeface="Meiryo UI" panose="020B0604030504040204" pitchFamily="50" charset="-128"/>
+            </a:endParaRPr>
+          </a:p>
+        </p:txBody>
+      </p:sp>
+      <p:sp>
+        <p:nvSpPr>
+          <p:cNvPr id="27" name="テキスト ボックス 26">
+            <a:extLst>
+              <a:ext uri="{FF2B5EF4-FFF2-40B4-BE49-F238E27FC236}">
+                <a16:creationId xmlns:a16="http://schemas.microsoft.com/office/drawing/2014/main" id="{4F9B1386-2DB8-4C90-8477-1716A1C051D6}"/>
+              </a:ext>
+            </a:extLst>
+          </p:cNvPr>
+          <p:cNvSpPr txBox="1"/>
+          <p:nvPr/>
+        </p:nvSpPr>
+        <p:spPr>
+          <a:xfrm>
+            <a:off x="2840053" y="1619154"/>
+            <a:ext cx="1111947" cy="215444"/>
+          </a:xfrm>
+          <a:prstGeom prst="rect">
+            <a:avLst/>
+          </a:prstGeom>
+          <a:noFill/>
+        </p:spPr>
+        <p:txBody>
+          <a:bodyPr wrap="square" rtlCol="0">
+            <a:spAutoFit/>
+          </a:bodyPr>
+          <a:lstStyle/>
+          <a:p>
+            <a:r>
+              <a:rPr kumimoji="1" lang="ja-JP" altLang="en-US" sz="800" dirty="0">
+                <a:latin typeface="Meiryo UI" panose="020B0604030504040204" pitchFamily="50" charset="-128"/>
+                <a:ea typeface="Meiryo UI" panose="020B0604030504040204" pitchFamily="50" charset="-128"/>
+                <a:cs typeface="Aldhabi" panose="01000000000000000000" pitchFamily="2" charset="-78"/>
+              </a:rPr>
+              <a:t>何かしらの画面イベント</a:t>
+            </a:r>
+          </a:p>
+        </p:txBody>
+      </p:sp>
+      <p:cxnSp>
+        <p:nvCxnSpPr>
+          <p:cNvPr id="10" name="直線矢印コネクタ 9">
+            <a:extLst>
+              <a:ext uri="{FF2B5EF4-FFF2-40B4-BE49-F238E27FC236}">
+                <a16:creationId xmlns:a16="http://schemas.microsoft.com/office/drawing/2014/main" id="{53F0C03F-FAD8-4BDE-8940-2C78CA5A10E0}"/>
+              </a:ext>
+            </a:extLst>
+          </p:cNvPr>
+          <p:cNvCxnSpPr>
+            <a:cxnSpLocks/>
+            <a:stCxn id="25" idx="3"/>
+            <a:endCxn id="24" idx="1"/>
+          </p:cNvCxnSpPr>
+          <p:nvPr/>
+        </p:nvCxnSpPr>
+        <p:spPr>
+          <a:xfrm>
+            <a:off x="2500743" y="1999508"/>
+            <a:ext cx="450278" cy="2700"/>
+          </a:xfrm>
+          <a:prstGeom prst="straightConnector1">
+            <a:avLst/>
+          </a:prstGeom>
+          <a:ln>
+            <a:tailEnd type="triangle"/>
+          </a:ln>
+        </p:spPr>
+        <p:style>
+          <a:lnRef idx="1">
+            <a:schemeClr val="dk1"/>
+          </a:lnRef>
+          <a:fillRef idx="0">
+            <a:schemeClr val="dk1"/>
+          </a:fillRef>
+          <a:effectRef idx="0">
+            <a:schemeClr val="dk1"/>
+          </a:effectRef>
+          <a:fontRef idx="minor">
+            <a:schemeClr val="tx1"/>
+          </a:fontRef>
+        </p:style>
+      </p:cxnSp>
+      <p:cxnSp>
+        <p:nvCxnSpPr>
+          <p:cNvPr id="36" name="直線矢印コネクタ 35">
+            <a:extLst>
+              <a:ext uri="{FF2B5EF4-FFF2-40B4-BE49-F238E27FC236}">
+                <a16:creationId xmlns:a16="http://schemas.microsoft.com/office/drawing/2014/main" id="{CFF978BA-F3BD-4DD4-8704-C6D8FF7E1771}"/>
+              </a:ext>
+            </a:extLst>
+          </p:cNvPr>
+          <p:cNvCxnSpPr>
+            <a:cxnSpLocks/>
+            <a:stCxn id="24" idx="3"/>
+            <a:endCxn id="26" idx="1"/>
+          </p:cNvCxnSpPr>
+          <p:nvPr/>
+        </p:nvCxnSpPr>
+        <p:spPr>
+          <a:xfrm>
+            <a:off x="3808271" y="2002208"/>
+            <a:ext cx="460940" cy="3649"/>
+          </a:xfrm>
+          <a:prstGeom prst="straightConnector1">
+            <a:avLst/>
+          </a:prstGeom>
+          <a:ln>
+            <a:tailEnd type="triangle"/>
+          </a:ln>
+        </p:spPr>
+        <p:style>
+          <a:lnRef idx="1">
+            <a:schemeClr val="dk1"/>
+          </a:lnRef>
+          <a:fillRef idx="0">
+            <a:schemeClr val="dk1"/>
+          </a:fillRef>
+          <a:effectRef idx="0">
+            <a:schemeClr val="dk1"/>
+          </a:effectRef>
+          <a:fontRef idx="minor">
+            <a:schemeClr val="tx1"/>
+          </a:fontRef>
+        </p:style>
+      </p:cxnSp>
+      <p:sp>
+        <p:nvSpPr>
+          <p:cNvPr id="41" name="正方形/長方形 40">
+            <a:extLst>
+              <a:ext uri="{FF2B5EF4-FFF2-40B4-BE49-F238E27FC236}">
+                <a16:creationId xmlns:a16="http://schemas.microsoft.com/office/drawing/2014/main" id="{5AD7B5F1-5A80-4756-AEBF-E6424402FF2E}"/>
+              </a:ext>
+            </a:extLst>
+          </p:cNvPr>
+          <p:cNvSpPr/>
+          <p:nvPr/>
+        </p:nvSpPr>
+        <p:spPr>
+          <a:xfrm>
+            <a:off x="4108525" y="2399809"/>
+            <a:ext cx="1750589" cy="241069"/>
+          </a:xfrm>
+          <a:prstGeom prst="rect">
+            <a:avLst/>
+          </a:prstGeom>
+        </p:spPr>
+        <p:style>
+          <a:lnRef idx="2">
+            <a:schemeClr val="accent1"/>
+          </a:lnRef>
+          <a:fillRef idx="1">
+            <a:schemeClr val="lt1"/>
+          </a:fillRef>
+          <a:effectRef idx="0">
+            <a:schemeClr val="accent1"/>
+          </a:effectRef>
+          <a:fontRef idx="minor">
+            <a:schemeClr val="dk1"/>
+          </a:fontRef>
+        </p:style>
+        <p:txBody>
+          <a:bodyPr rtlCol="0" anchor="ctr"/>
+          <a:lstStyle/>
+          <a:p>
+            <a:pPr algn="ctr"/>
+            <a:r>
+              <a:rPr kumimoji="1" lang="en-US" altLang="ja-JP" sz="1050" dirty="0">
+                <a:latin typeface="Meiryo UI" panose="020B0604030504040204" pitchFamily="50" charset="-128"/>
+                <a:ea typeface="Meiryo UI" panose="020B0604030504040204" pitchFamily="50" charset="-128"/>
+              </a:rPr>
+              <a:t>state, props</a:t>
+            </a:r>
+            <a:r>
+              <a:rPr kumimoji="1" lang="ja-JP" altLang="en-US" sz="1050" dirty="0">
+                <a:latin typeface="Meiryo UI" panose="020B0604030504040204" pitchFamily="50" charset="-128"/>
+                <a:ea typeface="Meiryo UI" panose="020B0604030504040204" pitchFamily="50" charset="-128"/>
+              </a:rPr>
+              <a:t>の差分の更新</a:t>
+            </a:r>
+          </a:p>
+        </p:txBody>
+      </p:sp>
+      <p:cxnSp>
+        <p:nvCxnSpPr>
+          <p:cNvPr id="42" name="直線矢印コネクタ 41">
+            <a:extLst>
+              <a:ext uri="{FF2B5EF4-FFF2-40B4-BE49-F238E27FC236}">
+                <a16:creationId xmlns:a16="http://schemas.microsoft.com/office/drawing/2014/main" id="{86E96804-15C7-4657-AA69-2AF21CD9B793}"/>
+              </a:ext>
+            </a:extLst>
+          </p:cNvPr>
+          <p:cNvCxnSpPr>
+            <a:cxnSpLocks/>
+            <a:stCxn id="26" idx="2"/>
+            <a:endCxn id="41" idx="0"/>
+          </p:cNvCxnSpPr>
+          <p:nvPr/>
+        </p:nvCxnSpPr>
+        <p:spPr>
+          <a:xfrm>
+            <a:off x="4983820" y="2126391"/>
+            <a:ext cx="0" cy="273418"/>
+          </a:xfrm>
+          <a:prstGeom prst="straightConnector1">
+            <a:avLst/>
+          </a:prstGeom>
+          <a:ln>
+            <a:tailEnd type="triangle"/>
+          </a:ln>
+        </p:spPr>
+        <p:style>
+          <a:lnRef idx="1">
+            <a:schemeClr val="dk1"/>
+          </a:lnRef>
+          <a:fillRef idx="0">
+            <a:schemeClr val="dk1"/>
+          </a:fillRef>
+          <a:effectRef idx="0">
+            <a:schemeClr val="dk1"/>
+          </a:effectRef>
+          <a:fontRef idx="minor">
+            <a:schemeClr val="tx1"/>
+          </a:fontRef>
+        </p:style>
+      </p:cxnSp>
+      <p:sp>
+        <p:nvSpPr>
+          <p:cNvPr id="29" name="テキスト ボックス 28">
+            <a:extLst>
+              <a:ext uri="{FF2B5EF4-FFF2-40B4-BE49-F238E27FC236}">
+                <a16:creationId xmlns:a16="http://schemas.microsoft.com/office/drawing/2014/main" id="{B369B1D3-576E-46E0-9D75-DB78CC434FFC}"/>
+              </a:ext>
+            </a:extLst>
+          </p:cNvPr>
+          <p:cNvSpPr txBox="1"/>
+          <p:nvPr/>
+        </p:nvSpPr>
+        <p:spPr>
+          <a:xfrm>
+            <a:off x="5628944" y="3705617"/>
+            <a:ext cx="1491951" cy="707886"/>
+          </a:xfrm>
+          <a:prstGeom prst="rect">
+            <a:avLst/>
+          </a:prstGeom>
+          <a:noFill/>
+        </p:spPr>
+        <p:txBody>
+          <a:bodyPr wrap="square" rtlCol="0">
+            <a:spAutoFit/>
+          </a:bodyPr>
+          <a:lstStyle/>
+          <a:p>
+            <a:r>
+              <a:rPr lang="en-US" altLang="ja-JP" sz="800" b="0" dirty="0" err="1">
+                <a:effectLst/>
+                <a:latin typeface="Meiryo UI" panose="020B0604030504040204" pitchFamily="50" charset="-128"/>
+                <a:ea typeface="Meiryo UI" panose="020B0604030504040204" pitchFamily="50" charset="-128"/>
+              </a:rPr>
+              <a:t>this.state</a:t>
+            </a:r>
+            <a:r>
+              <a:rPr lang="en-US" altLang="ja-JP" sz="800" b="0" dirty="0">
+                <a:effectLst/>
+                <a:latin typeface="Meiryo UI" panose="020B0604030504040204" pitchFamily="50" charset="-128"/>
+                <a:ea typeface="Meiryo UI" panose="020B0604030504040204" pitchFamily="50" charset="-128"/>
+              </a:rPr>
+              <a:t> = {</a:t>
+            </a:r>
+          </a:p>
+          <a:p>
+            <a:r>
+              <a:rPr lang="en-US" altLang="ja-JP" sz="800" b="0" dirty="0">
+                <a:effectLst/>
+                <a:latin typeface="Meiryo UI" panose="020B0604030504040204" pitchFamily="50" charset="-128"/>
+                <a:ea typeface="Meiryo UI" panose="020B0604030504040204" pitchFamily="50" charset="-128"/>
+              </a:rPr>
+              <a:t>      </a:t>
+            </a:r>
+            <a:r>
+              <a:rPr lang="en-US" altLang="ja-JP" sz="800" b="0" dirty="0" err="1">
+                <a:effectLst/>
+                <a:latin typeface="Meiryo UI" panose="020B0604030504040204" pitchFamily="50" charset="-128"/>
+                <a:ea typeface="Meiryo UI" panose="020B0604030504040204" pitchFamily="50" charset="-128"/>
+              </a:rPr>
+              <a:t>buttonLabel</a:t>
+            </a:r>
+            <a:r>
+              <a:rPr lang="en-US" altLang="ja-JP" sz="800" b="0" dirty="0">
+                <a:effectLst/>
+                <a:latin typeface="Meiryo UI" panose="020B0604030504040204" pitchFamily="50" charset="-128"/>
+                <a:ea typeface="Meiryo UI" panose="020B0604030504040204" pitchFamily="50" charset="-128"/>
+              </a:rPr>
+              <a:t>: ”</a:t>
+            </a:r>
+            <a:r>
+              <a:rPr kumimoji="1" lang="ja-JP" altLang="en-US" sz="800" dirty="0">
+                <a:solidFill>
+                  <a:schemeClr val="accent4">
+                    <a:lumMod val="50000"/>
+                  </a:schemeClr>
+                </a:solidFill>
+                <a:latin typeface="Meiryo UI" panose="020B0604030504040204" pitchFamily="50" charset="-128"/>
+                <a:ea typeface="Meiryo UI" panose="020B0604030504040204" pitchFamily="50" charset="-128"/>
+                <a:cs typeface="Aldhabi" panose="01000000000000000000" pitchFamily="2" charset="-78"/>
+              </a:rPr>
+              <a:t>ボタン</a:t>
+            </a:r>
+            <a:r>
+              <a:rPr lang="en-US" altLang="ja-JP" sz="800" b="0" dirty="0">
+                <a:effectLst/>
+                <a:latin typeface="Meiryo UI" panose="020B0604030504040204" pitchFamily="50" charset="-128"/>
+                <a:ea typeface="Meiryo UI" panose="020B0604030504040204" pitchFamily="50" charset="-128"/>
+              </a:rPr>
+              <a:t>”,</a:t>
+            </a:r>
+          </a:p>
+          <a:p>
+            <a:r>
+              <a:rPr lang="en-US" altLang="ja-JP" sz="800" b="0" dirty="0">
+                <a:effectLst/>
+                <a:latin typeface="Meiryo UI" panose="020B0604030504040204" pitchFamily="50" charset="-128"/>
+                <a:ea typeface="Meiryo UI" panose="020B0604030504040204" pitchFamily="50" charset="-128"/>
+              </a:rPr>
+              <a:t>      label: </a:t>
+            </a:r>
+            <a:r>
+              <a:rPr lang="en-US" altLang="ja-JP" sz="800" dirty="0">
+                <a:latin typeface="Meiryo UI" panose="020B0604030504040204" pitchFamily="50" charset="-128"/>
+                <a:ea typeface="Meiryo UI" panose="020B0604030504040204" pitchFamily="50" charset="-128"/>
+              </a:rPr>
+              <a:t>””</a:t>
+            </a:r>
+            <a:endParaRPr lang="en-US" altLang="ja-JP" sz="800" b="0" dirty="0">
+              <a:effectLst/>
+              <a:latin typeface="Meiryo UI" panose="020B0604030504040204" pitchFamily="50" charset="-128"/>
+              <a:ea typeface="Meiryo UI" panose="020B0604030504040204" pitchFamily="50" charset="-128"/>
+            </a:endParaRPr>
+          </a:p>
+          <a:p>
+            <a:r>
+              <a:rPr lang="en-US" altLang="ja-JP" sz="800" b="0" dirty="0">
+                <a:effectLst/>
+                <a:latin typeface="Meiryo UI" panose="020B0604030504040204" pitchFamily="50" charset="-128"/>
+                <a:ea typeface="Meiryo UI" panose="020B0604030504040204" pitchFamily="50" charset="-128"/>
+              </a:rPr>
+              <a:t>}</a:t>
+            </a:r>
+          </a:p>
+          <a:p>
+            <a:endParaRPr kumimoji="1" lang="ja-JP" altLang="en-US" sz="800" dirty="0">
+              <a:latin typeface="Meiryo UI" panose="020B0604030504040204" pitchFamily="50" charset="-128"/>
+              <a:ea typeface="Meiryo UI" panose="020B0604030504040204" pitchFamily="50" charset="-128"/>
+              <a:cs typeface="Aldhabi" panose="01000000000000000000" pitchFamily="2" charset="-78"/>
+            </a:endParaRPr>
+          </a:p>
+        </p:txBody>
+      </p:sp>
+      <p:sp>
+        <p:nvSpPr>
+          <p:cNvPr id="30" name="テキスト ボックス 29">
+            <a:extLst>
+              <a:ext uri="{FF2B5EF4-FFF2-40B4-BE49-F238E27FC236}">
+                <a16:creationId xmlns:a16="http://schemas.microsoft.com/office/drawing/2014/main" id="{D4AB4A98-5DAC-4F87-8EB8-21D6BBB4637D}"/>
+              </a:ext>
+            </a:extLst>
+          </p:cNvPr>
+          <p:cNvSpPr txBox="1"/>
+          <p:nvPr/>
+        </p:nvSpPr>
+        <p:spPr>
+          <a:xfrm>
+            <a:off x="6861791" y="3705617"/>
+            <a:ext cx="1629897" cy="954107"/>
+          </a:xfrm>
+          <a:prstGeom prst="rect">
+            <a:avLst/>
+          </a:prstGeom>
+          <a:noFill/>
+        </p:spPr>
+        <p:txBody>
+          <a:bodyPr wrap="square" rtlCol="0">
+            <a:spAutoFit/>
+          </a:bodyPr>
+          <a:lstStyle/>
+          <a:p>
+            <a:r>
+              <a:rPr lang="en-US" altLang="ja-JP" sz="800" b="0" dirty="0" err="1">
+                <a:solidFill>
+                  <a:srgbClr val="7030A0"/>
+                </a:solidFill>
+                <a:effectLst/>
+                <a:latin typeface="Meiryo UI" panose="020B0604030504040204" pitchFamily="50" charset="-128"/>
+                <a:ea typeface="Meiryo UI" panose="020B0604030504040204" pitchFamily="50" charset="-128"/>
+              </a:rPr>
+              <a:t>setLabel</a:t>
+            </a:r>
+            <a:r>
+              <a:rPr lang="en-US" altLang="ja-JP" sz="800" b="0" dirty="0">
+                <a:effectLst/>
+                <a:latin typeface="Meiryo UI" panose="020B0604030504040204" pitchFamily="50" charset="-128"/>
+                <a:ea typeface="Meiryo UI" panose="020B0604030504040204" pitchFamily="50" charset="-128"/>
+              </a:rPr>
+              <a:t> = () </a:t>
+            </a:r>
+            <a:r>
+              <a:rPr lang="en-US" altLang="ja-JP" sz="800" b="0" i="1" dirty="0">
+                <a:effectLst/>
+                <a:latin typeface="Meiryo UI" panose="020B0604030504040204" pitchFamily="50" charset="-128"/>
+                <a:ea typeface="Meiryo UI" panose="020B0604030504040204" pitchFamily="50" charset="-128"/>
+              </a:rPr>
+              <a:t>=&gt;</a:t>
+            </a:r>
+            <a:r>
+              <a:rPr lang="en-US" altLang="ja-JP" sz="800" b="0" dirty="0">
+                <a:effectLst/>
+                <a:latin typeface="Meiryo UI" panose="020B0604030504040204" pitchFamily="50" charset="-128"/>
+                <a:ea typeface="Meiryo UI" panose="020B0604030504040204" pitchFamily="50" charset="-128"/>
+              </a:rPr>
+              <a:t> {</a:t>
+            </a:r>
+          </a:p>
+          <a:p>
+            <a:r>
+              <a:rPr lang="en-US" altLang="ja-JP" sz="800" b="0" dirty="0">
+                <a:effectLst/>
+                <a:latin typeface="Meiryo UI" panose="020B0604030504040204" pitchFamily="50" charset="-128"/>
+                <a:ea typeface="Meiryo UI" panose="020B0604030504040204" pitchFamily="50" charset="-128"/>
+              </a:rPr>
+              <a:t>    </a:t>
+            </a:r>
+            <a:r>
+              <a:rPr lang="en-US" altLang="ja-JP" sz="800" b="0" i="1" dirty="0">
+                <a:effectLst/>
+                <a:latin typeface="Meiryo UI" panose="020B0604030504040204" pitchFamily="50" charset="-128"/>
+                <a:ea typeface="Meiryo UI" panose="020B0604030504040204" pitchFamily="50" charset="-128"/>
+              </a:rPr>
+              <a:t>const</a:t>
+            </a:r>
+            <a:r>
+              <a:rPr lang="en-US" altLang="ja-JP" sz="800" b="0" dirty="0">
+                <a:effectLst/>
+                <a:latin typeface="Meiryo UI" panose="020B0604030504040204" pitchFamily="50" charset="-128"/>
+                <a:ea typeface="Meiryo UI" panose="020B0604030504040204" pitchFamily="50" charset="-128"/>
+              </a:rPr>
+              <a:t> </a:t>
+            </a:r>
+            <a:r>
+              <a:rPr lang="en-US" altLang="ja-JP" sz="800" b="0" dirty="0" err="1">
+                <a:effectLst/>
+                <a:latin typeface="Meiryo UI" panose="020B0604030504040204" pitchFamily="50" charset="-128"/>
+                <a:ea typeface="Meiryo UI" panose="020B0604030504040204" pitchFamily="50" charset="-128"/>
+              </a:rPr>
+              <a:t>newLabel</a:t>
+            </a:r>
+            <a:r>
+              <a:rPr lang="en-US" altLang="ja-JP" sz="800" b="0" dirty="0">
+                <a:effectLst/>
+                <a:latin typeface="Meiryo UI" panose="020B0604030504040204" pitchFamily="50" charset="-128"/>
+                <a:ea typeface="Meiryo UI" panose="020B0604030504040204" pitchFamily="50" charset="-128"/>
+              </a:rPr>
+              <a:t> = ”</a:t>
+            </a:r>
+            <a:r>
+              <a:rPr kumimoji="1" lang="ja-JP" altLang="en-US" sz="800" dirty="0">
+                <a:solidFill>
+                  <a:schemeClr val="accent4">
+                    <a:lumMod val="50000"/>
+                  </a:schemeClr>
+                </a:solidFill>
+                <a:latin typeface="Meiryo UI" panose="020B0604030504040204" pitchFamily="50" charset="-128"/>
+                <a:ea typeface="Meiryo UI" panose="020B0604030504040204" pitchFamily="50" charset="-128"/>
+                <a:cs typeface="Aldhabi" panose="01000000000000000000" pitchFamily="2" charset="-78"/>
+              </a:rPr>
+              <a:t>ラベル</a:t>
+            </a:r>
+            <a:r>
+              <a:rPr lang="en-US" altLang="ja-JP" sz="800" b="0" dirty="0">
+                <a:effectLst/>
+                <a:latin typeface="Meiryo UI" panose="020B0604030504040204" pitchFamily="50" charset="-128"/>
+                <a:ea typeface="Meiryo UI" panose="020B0604030504040204" pitchFamily="50" charset="-128"/>
+              </a:rPr>
+              <a:t>”</a:t>
+            </a:r>
+          </a:p>
+          <a:p>
+            <a:r>
+              <a:rPr lang="en-US" altLang="ja-JP" sz="800" b="0" dirty="0">
+                <a:effectLst/>
+                <a:latin typeface="Meiryo UI" panose="020B0604030504040204" pitchFamily="50" charset="-128"/>
+                <a:ea typeface="Meiryo UI" panose="020B0604030504040204" pitchFamily="50" charset="-128"/>
+              </a:rPr>
+              <a:t>    </a:t>
+            </a:r>
+            <a:r>
+              <a:rPr lang="en-US" altLang="ja-JP" sz="800" b="0" dirty="0" err="1">
+                <a:effectLst/>
+                <a:latin typeface="Meiryo UI" panose="020B0604030504040204" pitchFamily="50" charset="-128"/>
+                <a:ea typeface="Meiryo UI" panose="020B0604030504040204" pitchFamily="50" charset="-128"/>
+              </a:rPr>
+              <a:t>this.setState</a:t>
+            </a:r>
+            <a:r>
+              <a:rPr lang="en-US" altLang="ja-JP" sz="800" b="0" dirty="0">
+                <a:effectLst/>
+                <a:latin typeface="Meiryo UI" panose="020B0604030504040204" pitchFamily="50" charset="-128"/>
+                <a:ea typeface="Meiryo UI" panose="020B0604030504040204" pitchFamily="50" charset="-128"/>
+              </a:rPr>
+              <a:t>({</a:t>
+            </a:r>
+          </a:p>
+          <a:p>
+            <a:r>
+              <a:rPr lang="en-US" altLang="ja-JP" sz="800" b="0" dirty="0">
+                <a:effectLst/>
+                <a:latin typeface="Meiryo UI" panose="020B0604030504040204" pitchFamily="50" charset="-128"/>
+                <a:ea typeface="Meiryo UI" panose="020B0604030504040204" pitchFamily="50" charset="-128"/>
+              </a:rPr>
+              <a:t>      label: </a:t>
+            </a:r>
+            <a:r>
+              <a:rPr lang="en-US" altLang="ja-JP" sz="800" b="0" dirty="0" err="1">
+                <a:effectLst/>
+                <a:latin typeface="Meiryo UI" panose="020B0604030504040204" pitchFamily="50" charset="-128"/>
+                <a:ea typeface="Meiryo UI" panose="020B0604030504040204" pitchFamily="50" charset="-128"/>
+              </a:rPr>
+              <a:t>newLabel</a:t>
+            </a:r>
+            <a:endParaRPr lang="en-US" altLang="ja-JP" sz="800" b="0" dirty="0">
+              <a:effectLst/>
+              <a:latin typeface="Meiryo UI" panose="020B0604030504040204" pitchFamily="50" charset="-128"/>
+              <a:ea typeface="Meiryo UI" panose="020B0604030504040204" pitchFamily="50" charset="-128"/>
+            </a:endParaRPr>
+          </a:p>
+          <a:p>
+            <a:r>
+              <a:rPr lang="en-US" altLang="ja-JP" sz="800" b="0" dirty="0">
+                <a:effectLst/>
+                <a:latin typeface="Meiryo UI" panose="020B0604030504040204" pitchFamily="50" charset="-128"/>
+                <a:ea typeface="Meiryo UI" panose="020B0604030504040204" pitchFamily="50" charset="-128"/>
+              </a:rPr>
+              <a:t>    });</a:t>
+            </a:r>
+          </a:p>
+          <a:p>
+            <a:r>
+              <a:rPr lang="en-US" altLang="ja-JP" sz="800" b="0" dirty="0">
+                <a:effectLst/>
+                <a:latin typeface="Meiryo UI" panose="020B0604030504040204" pitchFamily="50" charset="-128"/>
+                <a:ea typeface="Meiryo UI" panose="020B0604030504040204" pitchFamily="50" charset="-128"/>
+              </a:rPr>
+              <a:t>  };</a:t>
+            </a:r>
+          </a:p>
+          <a:p>
+            <a:endParaRPr kumimoji="1" lang="ja-JP" altLang="en-US" sz="800" dirty="0">
+              <a:latin typeface="Meiryo UI" panose="020B0604030504040204" pitchFamily="50" charset="-128"/>
+              <a:ea typeface="Meiryo UI" panose="020B0604030504040204" pitchFamily="50" charset="-128"/>
+              <a:cs typeface="Aldhabi" panose="01000000000000000000" pitchFamily="2" charset="-78"/>
+            </a:endParaRPr>
+          </a:p>
+        </p:txBody>
+      </p:sp>
+      <p:sp>
+        <p:nvSpPr>
+          <p:cNvPr id="5" name="正方形/長方形 4">
+            <a:extLst>
+              <a:ext uri="{FF2B5EF4-FFF2-40B4-BE49-F238E27FC236}">
+                <a16:creationId xmlns:a16="http://schemas.microsoft.com/office/drawing/2014/main" id="{3FE821CC-4C80-44E0-9EDD-1789D329224B}"/>
+              </a:ext>
+            </a:extLst>
+          </p:cNvPr>
+          <p:cNvSpPr/>
+          <p:nvPr/>
+        </p:nvSpPr>
+        <p:spPr>
+          <a:xfrm>
+            <a:off x="6962655" y="230190"/>
+            <a:ext cx="1629897" cy="784742"/>
+          </a:xfrm>
+          <a:prstGeom prst="rect">
+            <a:avLst/>
+          </a:prstGeom>
+        </p:spPr>
+        <p:style>
+          <a:lnRef idx="2">
+            <a:schemeClr val="accent1"/>
+          </a:lnRef>
+          <a:fillRef idx="1">
+            <a:schemeClr val="lt1"/>
+          </a:fillRef>
+          <a:effectRef idx="0">
+            <a:schemeClr val="accent1"/>
+          </a:effectRef>
+          <a:fontRef idx="minor">
+            <a:schemeClr val="dk1"/>
+          </a:fontRef>
+        </p:style>
+        <p:txBody>
+          <a:bodyPr rtlCol="0" anchor="ctr"/>
+          <a:lstStyle/>
+          <a:p>
+            <a:pPr algn="ctr"/>
+            <a:endParaRPr kumimoji="1" lang="ja-JP" altLang="en-US"/>
+          </a:p>
+        </p:txBody>
+      </p:sp>
+      <p:sp>
+        <p:nvSpPr>
+          <p:cNvPr id="34" name="正方形/長方形 33">
+            <a:extLst>
+              <a:ext uri="{FF2B5EF4-FFF2-40B4-BE49-F238E27FC236}">
+                <a16:creationId xmlns:a16="http://schemas.microsoft.com/office/drawing/2014/main" id="{B63CBA10-3B82-4D56-BE11-33B677731804}"/>
+              </a:ext>
+            </a:extLst>
+          </p:cNvPr>
+          <p:cNvSpPr/>
+          <p:nvPr/>
+        </p:nvSpPr>
+        <p:spPr>
+          <a:xfrm>
+            <a:off x="7058736" y="327145"/>
+            <a:ext cx="1440237" cy="232402"/>
+          </a:xfrm>
+          <a:prstGeom prst="rect">
+            <a:avLst/>
+          </a:prstGeom>
+        </p:spPr>
+        <p:style>
+          <a:lnRef idx="2">
+            <a:schemeClr val="accent1"/>
+          </a:lnRef>
+          <a:fillRef idx="1">
+            <a:schemeClr val="lt1"/>
+          </a:fillRef>
+          <a:effectRef idx="0">
+            <a:schemeClr val="accent1"/>
+          </a:effectRef>
+          <a:fontRef idx="minor">
+            <a:schemeClr val="dk1"/>
+          </a:fontRef>
+        </p:style>
+        <p:txBody>
+          <a:bodyPr rtlCol="0" anchor="ctr"/>
+          <a:lstStyle/>
+          <a:p>
+            <a:pPr algn="ctr"/>
+            <a:endParaRPr kumimoji="1" lang="ja-JP" altLang="en-US"/>
+          </a:p>
+        </p:txBody>
+      </p:sp>
+      <p:sp>
+        <p:nvSpPr>
+          <p:cNvPr id="37" name="正方形/長方形 36">
+            <a:extLst>
+              <a:ext uri="{FF2B5EF4-FFF2-40B4-BE49-F238E27FC236}">
+                <a16:creationId xmlns:a16="http://schemas.microsoft.com/office/drawing/2014/main" id="{F6569464-9ED3-48C9-8B97-ABC8DED3C7FA}"/>
+              </a:ext>
+            </a:extLst>
+          </p:cNvPr>
+          <p:cNvSpPr/>
+          <p:nvPr/>
+        </p:nvSpPr>
+        <p:spPr>
+          <a:xfrm>
+            <a:off x="7058736" y="679518"/>
+            <a:ext cx="517580" cy="215444"/>
+          </a:xfrm>
+          <a:prstGeom prst="rect">
+            <a:avLst/>
+          </a:prstGeom>
+          <a:solidFill>
+            <a:schemeClr val="bg2"/>
+          </a:solidFill>
+        </p:spPr>
+        <p:style>
+          <a:lnRef idx="2">
+            <a:schemeClr val="accent1"/>
+          </a:lnRef>
+          <a:fillRef idx="1">
+            <a:schemeClr val="lt1"/>
+          </a:fillRef>
+          <a:effectRef idx="0">
+            <a:schemeClr val="accent1"/>
+          </a:effectRef>
+          <a:fontRef idx="minor">
+            <a:schemeClr val="dk1"/>
+          </a:fontRef>
+        </p:style>
+        <p:txBody>
+          <a:bodyPr rtlCol="0" anchor="ctr"/>
+          <a:lstStyle/>
+          <a:p>
+            <a:pPr algn="ctr"/>
+            <a:r>
+              <a:rPr kumimoji="1" lang="ja-JP" altLang="en-US" sz="1050" dirty="0">
+                <a:latin typeface="Meiryo UI" panose="020B0604030504040204" pitchFamily="50" charset="-128"/>
+                <a:ea typeface="Meiryo UI" panose="020B0604030504040204" pitchFamily="50" charset="-128"/>
+              </a:rPr>
+              <a:t>ボタン</a:t>
+            </a:r>
+          </a:p>
+        </p:txBody>
+      </p:sp>
+      <p:sp>
+        <p:nvSpPr>
+          <p:cNvPr id="43" name="正方形/長方形 42">
+            <a:extLst>
+              <a:ext uri="{FF2B5EF4-FFF2-40B4-BE49-F238E27FC236}">
+                <a16:creationId xmlns:a16="http://schemas.microsoft.com/office/drawing/2014/main" id="{5096560F-EA61-4DDC-BB94-FEF1F000CF84}"/>
+              </a:ext>
+            </a:extLst>
+          </p:cNvPr>
+          <p:cNvSpPr/>
+          <p:nvPr/>
+        </p:nvSpPr>
+        <p:spPr>
+          <a:xfrm>
+            <a:off x="6962655" y="2762892"/>
+            <a:ext cx="1629897" cy="784742"/>
+          </a:xfrm>
+          <a:prstGeom prst="rect">
+            <a:avLst/>
+          </a:prstGeom>
+        </p:spPr>
+        <p:style>
+          <a:lnRef idx="2">
+            <a:schemeClr val="accent1"/>
+          </a:lnRef>
+          <a:fillRef idx="1">
+            <a:schemeClr val="lt1"/>
+          </a:fillRef>
+          <a:effectRef idx="0">
+            <a:schemeClr val="accent1"/>
+          </a:effectRef>
+          <a:fontRef idx="minor">
+            <a:schemeClr val="dk1"/>
+          </a:fontRef>
+        </p:style>
+        <p:txBody>
+          <a:bodyPr rtlCol="0" anchor="ctr"/>
+          <a:lstStyle/>
+          <a:p>
+            <a:pPr algn="ctr"/>
+            <a:endParaRPr kumimoji="1" lang="ja-JP" altLang="en-US"/>
+          </a:p>
+        </p:txBody>
+      </p:sp>
+      <p:sp>
+        <p:nvSpPr>
+          <p:cNvPr id="44" name="正方形/長方形 43">
+            <a:extLst>
+              <a:ext uri="{FF2B5EF4-FFF2-40B4-BE49-F238E27FC236}">
+                <a16:creationId xmlns:a16="http://schemas.microsoft.com/office/drawing/2014/main" id="{3F8AB93C-6996-493C-99C5-982914DF4B55}"/>
+              </a:ext>
+            </a:extLst>
+          </p:cNvPr>
+          <p:cNvSpPr/>
+          <p:nvPr/>
+        </p:nvSpPr>
+        <p:spPr>
+          <a:xfrm>
+            <a:off x="7058736" y="2877173"/>
+            <a:ext cx="1440237" cy="232402"/>
+          </a:xfrm>
+          <a:prstGeom prst="rect">
+            <a:avLst/>
+          </a:prstGeom>
+        </p:spPr>
+        <p:style>
+          <a:lnRef idx="2">
+            <a:schemeClr val="accent1"/>
+          </a:lnRef>
+          <a:fillRef idx="1">
+            <a:schemeClr val="lt1"/>
+          </a:fillRef>
+          <a:effectRef idx="0">
+            <a:schemeClr val="accent1"/>
+          </a:effectRef>
+          <a:fontRef idx="minor">
+            <a:schemeClr val="dk1"/>
+          </a:fontRef>
+        </p:style>
+        <p:txBody>
+          <a:bodyPr rtlCol="0" anchor="ctr"/>
+          <a:lstStyle/>
+          <a:p>
+            <a:pPr algn="ctr"/>
+            <a:r>
+              <a:rPr kumimoji="1" lang="ja-JP" altLang="en-US" sz="1050" dirty="0">
+                <a:latin typeface="Meiryo UI" panose="020B0604030504040204" pitchFamily="50" charset="-128"/>
+                <a:ea typeface="Meiryo UI" panose="020B0604030504040204" pitchFamily="50" charset="-128"/>
+              </a:rPr>
+              <a:t>ラベル</a:t>
+            </a:r>
+          </a:p>
+        </p:txBody>
+      </p:sp>
+      <p:sp>
+        <p:nvSpPr>
+          <p:cNvPr id="45" name="正方形/長方形 44">
+            <a:extLst>
+              <a:ext uri="{FF2B5EF4-FFF2-40B4-BE49-F238E27FC236}">
+                <a16:creationId xmlns:a16="http://schemas.microsoft.com/office/drawing/2014/main" id="{FF950F3D-5F9A-45BC-A5F2-41C6764A4EEA}"/>
+              </a:ext>
+            </a:extLst>
+          </p:cNvPr>
+          <p:cNvSpPr/>
+          <p:nvPr/>
+        </p:nvSpPr>
+        <p:spPr>
+          <a:xfrm>
+            <a:off x="7058736" y="3229546"/>
+            <a:ext cx="517580" cy="215444"/>
+          </a:xfrm>
+          <a:prstGeom prst="rect">
+            <a:avLst/>
+          </a:prstGeom>
+          <a:solidFill>
+            <a:schemeClr val="bg2"/>
+          </a:solidFill>
+        </p:spPr>
+        <p:style>
+          <a:lnRef idx="2">
+            <a:schemeClr val="accent1"/>
+          </a:lnRef>
+          <a:fillRef idx="1">
+            <a:schemeClr val="lt1"/>
+          </a:fillRef>
+          <a:effectRef idx="0">
+            <a:schemeClr val="accent1"/>
+          </a:effectRef>
+          <a:fontRef idx="minor">
+            <a:schemeClr val="dk1"/>
+          </a:fontRef>
+        </p:style>
+        <p:txBody>
+          <a:bodyPr rtlCol="0" anchor="ctr"/>
+          <a:lstStyle/>
+          <a:p>
+            <a:pPr algn="ctr"/>
+            <a:r>
+              <a:rPr kumimoji="1" lang="ja-JP" altLang="en-US" sz="1050" dirty="0">
+                <a:latin typeface="Meiryo UI" panose="020B0604030504040204" pitchFamily="50" charset="-128"/>
+                <a:ea typeface="Meiryo UI" panose="020B0604030504040204" pitchFamily="50" charset="-128"/>
+              </a:rPr>
+              <a:t>ボタン</a:t>
+            </a:r>
+          </a:p>
+        </p:txBody>
+      </p:sp>
+      <p:sp>
+        <p:nvSpPr>
+          <p:cNvPr id="46" name="テキスト ボックス 45">
+            <a:extLst>
+              <a:ext uri="{FF2B5EF4-FFF2-40B4-BE49-F238E27FC236}">
+                <a16:creationId xmlns:a16="http://schemas.microsoft.com/office/drawing/2014/main" id="{99CC714C-8A49-4EAC-B2BB-ABE10C08DF79}"/>
+              </a:ext>
+            </a:extLst>
+          </p:cNvPr>
+          <p:cNvSpPr txBox="1"/>
+          <p:nvPr/>
+        </p:nvSpPr>
+        <p:spPr>
+          <a:xfrm>
+            <a:off x="6962655" y="1149868"/>
+            <a:ext cx="1615782" cy="215444"/>
+          </a:xfrm>
+          <a:prstGeom prst="rect">
+            <a:avLst/>
+          </a:prstGeom>
+          <a:noFill/>
+        </p:spPr>
+        <p:txBody>
+          <a:bodyPr wrap="square" rtlCol="0">
+            <a:spAutoFit/>
+          </a:bodyPr>
+          <a:lstStyle/>
+          <a:p>
+            <a:r>
+              <a:rPr kumimoji="1" lang="ja-JP" altLang="en-US" sz="800" dirty="0">
+                <a:latin typeface="Meiryo UI" panose="020B0604030504040204" pitchFamily="50" charset="-128"/>
+                <a:ea typeface="Meiryo UI" panose="020B0604030504040204" pitchFamily="50" charset="-128"/>
+                <a:cs typeface="Aldhabi" panose="01000000000000000000" pitchFamily="2" charset="-78"/>
+              </a:rPr>
+              <a:t>ボタンの</a:t>
+            </a:r>
+            <a:r>
+              <a:rPr kumimoji="1" lang="en-US" altLang="ja-JP" sz="800" dirty="0" err="1">
+                <a:latin typeface="Meiryo UI" panose="020B0604030504040204" pitchFamily="50" charset="-128"/>
+                <a:ea typeface="Meiryo UI" panose="020B0604030504040204" pitchFamily="50" charset="-128"/>
+                <a:cs typeface="Aldhabi" panose="01000000000000000000" pitchFamily="2" charset="-78"/>
+              </a:rPr>
+              <a:t>onClick</a:t>
+            </a:r>
+            <a:r>
+              <a:rPr kumimoji="1" lang="ja-JP" altLang="en-US" sz="800" dirty="0">
+                <a:latin typeface="Meiryo UI" panose="020B0604030504040204" pitchFamily="50" charset="-128"/>
+                <a:ea typeface="Meiryo UI" panose="020B0604030504040204" pitchFamily="50" charset="-128"/>
+                <a:cs typeface="Aldhabi" panose="01000000000000000000" pitchFamily="2" charset="-78"/>
+              </a:rPr>
+              <a:t>イベントが呼ばれる</a:t>
+            </a:r>
+          </a:p>
+        </p:txBody>
+      </p:sp>
+      <p:sp>
+        <p:nvSpPr>
+          <p:cNvPr id="47" name="テキスト ボックス 46">
+            <a:extLst>
+              <a:ext uri="{FF2B5EF4-FFF2-40B4-BE49-F238E27FC236}">
+                <a16:creationId xmlns:a16="http://schemas.microsoft.com/office/drawing/2014/main" id="{C1573C5F-FE4E-4206-B082-D0FEEFE7DE4B}"/>
+              </a:ext>
+            </a:extLst>
+          </p:cNvPr>
+          <p:cNvSpPr txBox="1"/>
+          <p:nvPr/>
+        </p:nvSpPr>
+        <p:spPr>
+          <a:xfrm>
+            <a:off x="6962655" y="1457740"/>
+            <a:ext cx="1705095" cy="215444"/>
+          </a:xfrm>
+          <a:prstGeom prst="rect">
+            <a:avLst/>
+          </a:prstGeom>
+          <a:noFill/>
+        </p:spPr>
+        <p:txBody>
+          <a:bodyPr wrap="square" rtlCol="0">
+            <a:spAutoFit/>
+          </a:bodyPr>
+          <a:lstStyle/>
+          <a:p>
+            <a:r>
+              <a:rPr kumimoji="1" lang="ja-JP" altLang="en-US" sz="800" dirty="0">
+                <a:latin typeface="Meiryo UI" panose="020B0604030504040204" pitchFamily="50" charset="-128"/>
+                <a:ea typeface="Meiryo UI" panose="020B0604030504040204" pitchFamily="50" charset="-128"/>
+                <a:cs typeface="Aldhabi" panose="01000000000000000000" pitchFamily="2" charset="-78"/>
+              </a:rPr>
+              <a:t>親コンポーネントの</a:t>
+            </a:r>
+            <a:r>
+              <a:rPr kumimoji="1" lang="en-US" altLang="ja-JP" sz="800" dirty="0" err="1">
+                <a:latin typeface="Meiryo UI" panose="020B0604030504040204" pitchFamily="50" charset="-128"/>
+                <a:ea typeface="Meiryo UI" panose="020B0604030504040204" pitchFamily="50" charset="-128"/>
+                <a:cs typeface="Aldhabi" panose="01000000000000000000" pitchFamily="2" charset="-78"/>
+              </a:rPr>
+              <a:t>setLabel</a:t>
+            </a:r>
+            <a:r>
+              <a:rPr kumimoji="1" lang="ja-JP" altLang="en-US" sz="800" dirty="0">
+                <a:latin typeface="Meiryo UI" panose="020B0604030504040204" pitchFamily="50" charset="-128"/>
+                <a:ea typeface="Meiryo UI" panose="020B0604030504040204" pitchFamily="50" charset="-128"/>
+                <a:cs typeface="Aldhabi" panose="01000000000000000000" pitchFamily="2" charset="-78"/>
+              </a:rPr>
+              <a:t>呼ばれる</a:t>
+            </a:r>
+          </a:p>
+        </p:txBody>
+      </p:sp>
+      <p:sp>
+        <p:nvSpPr>
+          <p:cNvPr id="48" name="テキスト ボックス 47">
+            <a:extLst>
+              <a:ext uri="{FF2B5EF4-FFF2-40B4-BE49-F238E27FC236}">
+                <a16:creationId xmlns:a16="http://schemas.microsoft.com/office/drawing/2014/main" id="{7DB3BD0B-D081-4B3C-8A77-D59DCCAA0583}"/>
+              </a:ext>
+            </a:extLst>
+          </p:cNvPr>
+          <p:cNvSpPr txBox="1"/>
+          <p:nvPr/>
+        </p:nvSpPr>
+        <p:spPr>
+          <a:xfrm>
+            <a:off x="6972048" y="1783117"/>
+            <a:ext cx="1858192" cy="215444"/>
+          </a:xfrm>
+          <a:prstGeom prst="rect">
+            <a:avLst/>
+          </a:prstGeom>
+          <a:noFill/>
+        </p:spPr>
+        <p:txBody>
+          <a:bodyPr wrap="square" rtlCol="0">
+            <a:spAutoFit/>
+          </a:bodyPr>
+          <a:lstStyle/>
+          <a:p>
+            <a:r>
+              <a:rPr kumimoji="1" lang="en-US" altLang="ja-JP" sz="800" dirty="0" err="1">
+                <a:latin typeface="Meiryo UI" panose="020B0604030504040204" pitchFamily="50" charset="-128"/>
+                <a:ea typeface="Meiryo UI" panose="020B0604030504040204" pitchFamily="50" charset="-128"/>
+                <a:cs typeface="Aldhabi" panose="01000000000000000000" pitchFamily="2" charset="-78"/>
+              </a:rPr>
+              <a:t>setState</a:t>
+            </a:r>
+            <a:r>
+              <a:rPr kumimoji="1" lang="ja-JP" altLang="en-US" sz="800" dirty="0">
+                <a:latin typeface="Meiryo UI" panose="020B0604030504040204" pitchFamily="50" charset="-128"/>
+                <a:ea typeface="Meiryo UI" panose="020B0604030504040204" pitchFamily="50" charset="-128"/>
+                <a:cs typeface="Aldhabi" panose="01000000000000000000" pitchFamily="2" charset="-78"/>
+              </a:rPr>
+              <a:t>メソッドにより</a:t>
+            </a:r>
+            <a:r>
+              <a:rPr kumimoji="1" lang="en-US" altLang="ja-JP" sz="800" dirty="0">
+                <a:latin typeface="Meiryo UI" panose="020B0604030504040204" pitchFamily="50" charset="-128"/>
+                <a:ea typeface="Meiryo UI" panose="020B0604030504040204" pitchFamily="50" charset="-128"/>
+                <a:cs typeface="Aldhabi" panose="01000000000000000000" pitchFamily="2" charset="-78"/>
+              </a:rPr>
+              <a:t>state</a:t>
+            </a:r>
+            <a:r>
+              <a:rPr kumimoji="1" lang="ja-JP" altLang="en-US" sz="800" dirty="0">
+                <a:latin typeface="Meiryo UI" panose="020B0604030504040204" pitchFamily="50" charset="-128"/>
+                <a:ea typeface="Meiryo UI" panose="020B0604030504040204" pitchFamily="50" charset="-128"/>
+                <a:cs typeface="Aldhabi" panose="01000000000000000000" pitchFamily="2" charset="-78"/>
+              </a:rPr>
+              <a:t>が更新される</a:t>
+            </a:r>
+          </a:p>
+        </p:txBody>
+      </p:sp>
+      <p:sp>
+        <p:nvSpPr>
+          <p:cNvPr id="49" name="テキスト ボックス 48">
+            <a:extLst>
+              <a:ext uri="{FF2B5EF4-FFF2-40B4-BE49-F238E27FC236}">
+                <a16:creationId xmlns:a16="http://schemas.microsoft.com/office/drawing/2014/main" id="{324B22D5-7B83-45F8-B73C-5D2947683C3A}"/>
+              </a:ext>
+            </a:extLst>
+          </p:cNvPr>
+          <p:cNvSpPr txBox="1"/>
+          <p:nvPr/>
+        </p:nvSpPr>
+        <p:spPr>
+          <a:xfrm>
+            <a:off x="6962655" y="2096602"/>
+            <a:ext cx="1858192" cy="215444"/>
+          </a:xfrm>
+          <a:prstGeom prst="rect">
+            <a:avLst/>
+          </a:prstGeom>
+          <a:noFill/>
+        </p:spPr>
+        <p:txBody>
+          <a:bodyPr wrap="square" rtlCol="0">
+            <a:spAutoFit/>
+          </a:bodyPr>
+          <a:lstStyle/>
+          <a:p>
+            <a:r>
+              <a:rPr kumimoji="1" lang="ja-JP" altLang="en-US" sz="800" dirty="0">
+                <a:latin typeface="Meiryo UI" panose="020B0604030504040204" pitchFamily="50" charset="-128"/>
+                <a:ea typeface="Meiryo UI" panose="020B0604030504040204" pitchFamily="50" charset="-128"/>
+                <a:cs typeface="Aldhabi" panose="01000000000000000000" pitchFamily="2" charset="-78"/>
+              </a:rPr>
+              <a:t>親ノードから順に変数の差分を取得する</a:t>
+            </a:r>
+          </a:p>
+        </p:txBody>
+      </p:sp>
+      <p:sp>
+        <p:nvSpPr>
+          <p:cNvPr id="50" name="テキスト ボックス 49">
+            <a:extLst>
+              <a:ext uri="{FF2B5EF4-FFF2-40B4-BE49-F238E27FC236}">
+                <a16:creationId xmlns:a16="http://schemas.microsoft.com/office/drawing/2014/main" id="{8F46F856-F2DF-4A57-AFD7-1B88B934C867}"/>
+              </a:ext>
+            </a:extLst>
+          </p:cNvPr>
+          <p:cNvSpPr txBox="1"/>
+          <p:nvPr/>
+        </p:nvSpPr>
+        <p:spPr>
+          <a:xfrm>
+            <a:off x="6972048" y="2403466"/>
+            <a:ext cx="1858192" cy="215444"/>
+          </a:xfrm>
+          <a:prstGeom prst="rect">
+            <a:avLst/>
+          </a:prstGeom>
+          <a:noFill/>
+        </p:spPr>
+        <p:txBody>
+          <a:bodyPr wrap="square" rtlCol="0">
+            <a:spAutoFit/>
+          </a:bodyPr>
+          <a:lstStyle/>
+          <a:p>
+            <a:r>
+              <a:rPr kumimoji="1" lang="ja-JP" altLang="en-US" sz="800" dirty="0">
+                <a:latin typeface="Meiryo UI" panose="020B0604030504040204" pitchFamily="50" charset="-128"/>
+                <a:ea typeface="Meiryo UI" panose="020B0604030504040204" pitchFamily="50" charset="-128"/>
+                <a:cs typeface="Aldhabi" panose="01000000000000000000" pitchFamily="2" charset="-78"/>
+              </a:rPr>
+              <a:t>差分を</a:t>
+            </a:r>
+            <a:r>
+              <a:rPr kumimoji="1" lang="en-US" altLang="ja-JP" sz="800" dirty="0">
+                <a:latin typeface="Meiryo UI" panose="020B0604030504040204" pitchFamily="50" charset="-128"/>
+                <a:ea typeface="Meiryo UI" panose="020B0604030504040204" pitchFamily="50" charset="-128"/>
+                <a:cs typeface="Aldhabi" panose="01000000000000000000" pitchFamily="2" charset="-78"/>
+              </a:rPr>
+              <a:t>DOM</a:t>
+            </a:r>
+            <a:r>
+              <a:rPr kumimoji="1" lang="ja-JP" altLang="en-US" sz="800" dirty="0">
+                <a:latin typeface="Meiryo UI" panose="020B0604030504040204" pitchFamily="50" charset="-128"/>
+                <a:ea typeface="Meiryo UI" panose="020B0604030504040204" pitchFamily="50" charset="-128"/>
+                <a:cs typeface="Aldhabi" panose="01000000000000000000" pitchFamily="2" charset="-78"/>
+              </a:rPr>
+              <a:t>に反映する</a:t>
+            </a:r>
+          </a:p>
+        </p:txBody>
+      </p:sp>
+      <p:cxnSp>
+        <p:nvCxnSpPr>
+          <p:cNvPr id="51" name="直線矢印コネクタ 50">
+            <a:extLst>
+              <a:ext uri="{FF2B5EF4-FFF2-40B4-BE49-F238E27FC236}">
+                <a16:creationId xmlns:a16="http://schemas.microsoft.com/office/drawing/2014/main" id="{0E113A59-7DE1-44EA-9CE8-CD573E26A769}"/>
+              </a:ext>
+            </a:extLst>
+          </p:cNvPr>
+          <p:cNvCxnSpPr>
+            <a:cxnSpLocks/>
+            <a:stCxn id="5" idx="2"/>
+            <a:endCxn id="43" idx="0"/>
+          </p:cNvCxnSpPr>
+          <p:nvPr/>
+        </p:nvCxnSpPr>
+        <p:spPr>
+          <a:xfrm>
+            <a:off x="7777604" y="1014932"/>
+            <a:ext cx="0" cy="1747960"/>
+          </a:xfrm>
+          <a:prstGeom prst="straightConnector1">
+            <a:avLst/>
+          </a:prstGeom>
+          <a:ln>
+            <a:tailEnd type="triangle"/>
+          </a:ln>
+        </p:spPr>
+        <p:style>
+          <a:lnRef idx="1">
+            <a:schemeClr val="dk1"/>
+          </a:lnRef>
+          <a:fillRef idx="0">
+            <a:schemeClr val="dk1"/>
+          </a:fillRef>
+          <a:effectRef idx="0">
+            <a:schemeClr val="dk1"/>
+          </a:effectRef>
+          <a:fontRef idx="minor">
+            <a:schemeClr val="tx1"/>
+          </a:fontRef>
+        </p:style>
+      </p:cxnSp>
     </p:spTree>
     <p:extLst>
       <p:ext uri="{BB962C8B-B14F-4D97-AF65-F5344CB8AC3E}">
-        <p14:creationId xmlns:p14="http://schemas.microsoft.com/office/powerpoint/2010/main" val="3869983682"/>
+        <p14:creationId xmlns:p14="http://schemas.microsoft.com/office/powerpoint/2010/main" val="2588116389"/>
       </p:ext>
     </p:extLst>
   </p:cSld>
@@ -9267,10 +12202,9 @@
           <a:lstStyle/>
           <a:p>
             <a:r>
-              <a:rPr lang="ja-JP" altLang="en-US" dirty="0"/>
-              <a:t>学習スケジュール</a:t>
-            </a:r>
-            <a:endParaRPr kumimoji="1" lang="ja-JP" altLang="en-US" dirty="0"/>
+              <a:rPr kumimoji="1" lang="ja-JP" altLang="en-US" dirty="0"/>
+              <a:t>デモ</a:t>
+            </a:r>
           </a:p>
         </p:txBody>
       </p:sp>
@@ -9297,103 +12231,9 @@
           </a:bodyPr>
           <a:lstStyle/>
           <a:p>
-            <a:pPr>
-              <a:buAutoNum type="arabicPeriod"/>
-            </a:pPr>
-            <a:r>
-              <a:rPr lang="ja-JP" altLang="en-US" sz="1200" dirty="0"/>
-              <a:t>入門書をざっくり読む</a:t>
-            </a:r>
-            <a:endParaRPr lang="en-US" altLang="ja-JP" sz="1200" dirty="0"/>
-          </a:p>
-          <a:p>
             <a:pPr marL="0" indent="0">
               <a:buNone/>
             </a:pPr>
-            <a:r>
-              <a:rPr lang="ja-JP" altLang="en-US" sz="1200" dirty="0"/>
-              <a:t>　　カード動かすのどうやってる？？</a:t>
-            </a:r>
-            <a:endParaRPr lang="en-US" altLang="ja-JP" sz="1200" dirty="0"/>
-          </a:p>
-          <a:p>
-            <a:pPr marL="0" indent="0">
-              <a:buNone/>
-            </a:pPr>
-            <a:r>
-              <a:rPr lang="en-US" altLang="ja-JP" sz="1200" dirty="0"/>
-              <a:t>	react</a:t>
-            </a:r>
-            <a:r>
-              <a:rPr lang="ja-JP" altLang="en-US" sz="1200" dirty="0"/>
-              <a:t>単体の機能ではなく、外部ライブラリを</a:t>
-            </a:r>
-            <a:endParaRPr lang="en-US" altLang="ja-JP" sz="1200" dirty="0"/>
-          </a:p>
-          <a:p>
-            <a:pPr>
-              <a:buAutoNum type="arabicPeriod"/>
-            </a:pPr>
-            <a:r>
-              <a:rPr lang="ja-JP" altLang="en-US" sz="1200" dirty="0"/>
-              <a:t>入門書をざっくり読む②</a:t>
-            </a:r>
-            <a:endParaRPr lang="en-US" altLang="ja-JP" sz="1200" dirty="0"/>
-          </a:p>
-          <a:p>
-            <a:pPr>
-              <a:buAutoNum type="arabicPeriod"/>
-            </a:pPr>
-            <a:endParaRPr lang="en-US" altLang="ja-JP" sz="1200" dirty="0"/>
-          </a:p>
-          <a:p>
-            <a:pPr>
-              <a:buAutoNum type="arabicPeriod"/>
-            </a:pPr>
-            <a:r>
-              <a:rPr lang="en-US" altLang="ja-JP" sz="1200" dirty="0"/>
-              <a:t>react</a:t>
-            </a:r>
-            <a:r>
-              <a:rPr lang="ja-JP" altLang="en-US" sz="1200" dirty="0"/>
-              <a:t>チュートリアルをやる</a:t>
-            </a:r>
-            <a:endParaRPr lang="en-US" altLang="ja-JP" sz="1200" dirty="0"/>
-          </a:p>
-          <a:p>
-            <a:pPr>
-              <a:buAutoNum type="arabicPeriod"/>
-            </a:pPr>
-            <a:endParaRPr lang="en-US" altLang="ja-JP" sz="1200" dirty="0"/>
-          </a:p>
-          <a:p>
-            <a:pPr>
-              <a:buAutoNum type="arabicPeriod"/>
-            </a:pPr>
-            <a:r>
-              <a:rPr lang="en-US" altLang="ja-JP" sz="1200" dirty="0" err="1"/>
-              <a:t>Qiita</a:t>
-            </a:r>
-            <a:r>
-              <a:rPr lang="ja-JP" altLang="en-US" sz="1200" dirty="0"/>
-              <a:t>とかの掲示板作成チュートリアルをやる</a:t>
-            </a:r>
-            <a:endParaRPr lang="en-US" altLang="ja-JP" sz="1200" dirty="0"/>
-          </a:p>
-          <a:p>
-            <a:pPr>
-              <a:buAutoNum type="arabicPeriod"/>
-            </a:pPr>
-            <a:endParaRPr lang="en-US" altLang="ja-JP" sz="1200" dirty="0"/>
-          </a:p>
-          <a:p>
-            <a:pPr>
-              <a:buAutoNum type="arabicPeriod"/>
-            </a:pPr>
-            <a:r>
-              <a:rPr lang="ja-JP" altLang="en-US" sz="1200" dirty="0"/>
-              <a:t>成果物ググりながら作ってみる</a:t>
-            </a:r>
             <a:endParaRPr lang="en-US" altLang="ja-JP" sz="1200" dirty="0"/>
           </a:p>
           <a:p>
@@ -9404,10 +12244,46 @@
           </a:p>
         </p:txBody>
       </p:sp>
+      <p:pic>
+        <p:nvPicPr>
+          <p:cNvPr id="5" name="図 4" descr="テキスト&#10;&#10;自動的に生成された説明">
+            <a:extLst>
+              <a:ext uri="{FF2B5EF4-FFF2-40B4-BE49-F238E27FC236}">
+                <a16:creationId xmlns:a16="http://schemas.microsoft.com/office/drawing/2014/main" id="{6088E67B-76F3-4FA6-81B8-FEBB2F598625}"/>
+              </a:ext>
+            </a:extLst>
+          </p:cNvPr>
+          <p:cNvPicPr>
+            <a:picLocks noChangeAspect="1"/>
+          </p:cNvPicPr>
+          <p:nvPr/>
+        </p:nvPicPr>
+        <p:blipFill>
+          <a:blip r:embed="rId2">
+            <a:extLst>
+              <a:ext uri="{28A0092B-C50C-407E-A947-70E740481C1C}">
+                <a14:useLocalDpi xmlns:a14="http://schemas.microsoft.com/office/drawing/2010/main" val="0"/>
+              </a:ext>
+            </a:extLst>
+          </a:blip>
+          <a:stretch>
+            <a:fillRect/>
+          </a:stretch>
+        </p:blipFill>
+        <p:spPr>
+          <a:xfrm>
+            <a:off x="2347602" y="1618997"/>
+            <a:ext cx="4448796" cy="3620005"/>
+          </a:xfrm>
+          <a:prstGeom prst="rect">
+            <a:avLst/>
+          </a:prstGeom>
+        </p:spPr>
+      </p:pic>
     </p:spTree>
     <p:extLst>
       <p:ext uri="{BB962C8B-B14F-4D97-AF65-F5344CB8AC3E}">
-        <p14:creationId xmlns:p14="http://schemas.microsoft.com/office/powerpoint/2010/main" val="4168270379"/>
+        <p14:creationId xmlns:p14="http://schemas.microsoft.com/office/powerpoint/2010/main" val="3869983682"/>
       </p:ext>
     </p:extLst>
   </p:cSld>

--- a/輪読のスライド.pptx
+++ b/輪読のスライド.pptx
@@ -258,7 +258,7 @@
           <a:p>
             <a:fld id="{FE67F7C2-A5CB-47DC-BA91-6C047ADEBE48}" type="datetimeFigureOut">
               <a:rPr kumimoji="1" lang="ja-JP" altLang="en-US" smtClean="0"/>
-              <a:t>2021/2/23</a:t>
+              <a:t>2021/2/24</a:t>
             </a:fld>
             <a:endParaRPr kumimoji="1" lang="ja-JP" altLang="en-US"/>
           </a:p>
@@ -460,7 +460,7 @@
           <a:p>
             <a:fld id="{FE67F7C2-A5CB-47DC-BA91-6C047ADEBE48}" type="datetimeFigureOut">
               <a:rPr kumimoji="1" lang="ja-JP" altLang="en-US" smtClean="0"/>
-              <a:t>2021/2/23</a:t>
+              <a:t>2021/2/24</a:t>
             </a:fld>
             <a:endParaRPr kumimoji="1" lang="ja-JP" altLang="en-US"/>
           </a:p>
@@ -672,7 +672,7 @@
           <a:p>
             <a:fld id="{FE67F7C2-A5CB-47DC-BA91-6C047ADEBE48}" type="datetimeFigureOut">
               <a:rPr kumimoji="1" lang="ja-JP" altLang="en-US" smtClean="0"/>
-              <a:t>2021/2/23</a:t>
+              <a:t>2021/2/24</a:t>
             </a:fld>
             <a:endParaRPr kumimoji="1" lang="ja-JP" altLang="en-US"/>
           </a:p>
@@ -874,7 +874,7 @@
           <a:p>
             <a:fld id="{FE67F7C2-A5CB-47DC-BA91-6C047ADEBE48}" type="datetimeFigureOut">
               <a:rPr kumimoji="1" lang="ja-JP" altLang="en-US" smtClean="0"/>
-              <a:t>2021/2/23</a:t>
+              <a:t>2021/2/24</a:t>
             </a:fld>
             <a:endParaRPr kumimoji="1" lang="ja-JP" altLang="en-US"/>
           </a:p>
@@ -1118,7 +1118,7 @@
           <a:p>
             <a:fld id="{FE67F7C2-A5CB-47DC-BA91-6C047ADEBE48}" type="datetimeFigureOut">
               <a:rPr kumimoji="1" lang="ja-JP" altLang="en-US" smtClean="0"/>
-              <a:t>2021/2/23</a:t>
+              <a:t>2021/2/24</a:t>
             </a:fld>
             <a:endParaRPr kumimoji="1" lang="ja-JP" altLang="en-US"/>
           </a:p>
@@ -1414,7 +1414,7 @@
           <a:p>
             <a:fld id="{FE67F7C2-A5CB-47DC-BA91-6C047ADEBE48}" type="datetimeFigureOut">
               <a:rPr kumimoji="1" lang="ja-JP" altLang="en-US" smtClean="0"/>
-              <a:t>2021/2/23</a:t>
+              <a:t>2021/2/24</a:t>
             </a:fld>
             <a:endParaRPr kumimoji="1" lang="ja-JP" altLang="en-US"/>
           </a:p>
@@ -1845,7 +1845,7 @@
           <a:p>
             <a:fld id="{FE67F7C2-A5CB-47DC-BA91-6C047ADEBE48}" type="datetimeFigureOut">
               <a:rPr kumimoji="1" lang="ja-JP" altLang="en-US" smtClean="0"/>
-              <a:t>2021/2/23</a:t>
+              <a:t>2021/2/24</a:t>
             </a:fld>
             <a:endParaRPr kumimoji="1" lang="ja-JP" altLang="en-US"/>
           </a:p>
@@ -1963,7 +1963,7 @@
           <a:p>
             <a:fld id="{FE67F7C2-A5CB-47DC-BA91-6C047ADEBE48}" type="datetimeFigureOut">
               <a:rPr kumimoji="1" lang="ja-JP" altLang="en-US" smtClean="0"/>
-              <a:t>2021/2/23</a:t>
+              <a:t>2021/2/24</a:t>
             </a:fld>
             <a:endParaRPr kumimoji="1" lang="ja-JP" altLang="en-US"/>
           </a:p>
@@ -2058,7 +2058,7 @@
           <a:p>
             <a:fld id="{FE67F7C2-A5CB-47DC-BA91-6C047ADEBE48}" type="datetimeFigureOut">
               <a:rPr kumimoji="1" lang="ja-JP" altLang="en-US" smtClean="0"/>
-              <a:t>2021/2/23</a:t>
+              <a:t>2021/2/24</a:t>
             </a:fld>
             <a:endParaRPr kumimoji="1" lang="ja-JP" altLang="en-US"/>
           </a:p>
@@ -2367,7 +2367,7 @@
           <a:p>
             <a:fld id="{FE67F7C2-A5CB-47DC-BA91-6C047ADEBE48}" type="datetimeFigureOut">
               <a:rPr kumimoji="1" lang="ja-JP" altLang="en-US" smtClean="0"/>
-              <a:t>2021/2/23</a:t>
+              <a:t>2021/2/24</a:t>
             </a:fld>
             <a:endParaRPr kumimoji="1" lang="ja-JP" altLang="en-US"/>
           </a:p>
@@ -2624,7 +2624,7 @@
           <a:p>
             <a:fld id="{FE67F7C2-A5CB-47DC-BA91-6C047ADEBE48}" type="datetimeFigureOut">
               <a:rPr kumimoji="1" lang="ja-JP" altLang="en-US" smtClean="0"/>
-              <a:t>2021/2/23</a:t>
+              <a:t>2021/2/24</a:t>
             </a:fld>
             <a:endParaRPr kumimoji="1" lang="ja-JP" altLang="en-US"/>
           </a:p>
@@ -2869,7 +2869,7 @@
           <a:p>
             <a:fld id="{FE67F7C2-A5CB-47DC-BA91-6C047ADEBE48}" type="datetimeFigureOut">
               <a:rPr kumimoji="1" lang="ja-JP" altLang="en-US" smtClean="0"/>
-              <a:t>2021/2/23</a:t>
+              <a:t>2021/2/24</a:t>
             </a:fld>
             <a:endParaRPr kumimoji="1" lang="ja-JP" altLang="en-US"/>
           </a:p>
@@ -4034,6 +4034,42 @@
           </a:p>
         </p:txBody>
       </p:sp>
+      <p:pic>
+        <p:nvPicPr>
+          <p:cNvPr id="7" name="図 6" descr="グラフィカル ユーザー インターフェイス, アプリケーション, Teams&#10;&#10;自動的に生成された説明">
+            <a:extLst>
+              <a:ext uri="{FF2B5EF4-FFF2-40B4-BE49-F238E27FC236}">
+                <a16:creationId xmlns:a16="http://schemas.microsoft.com/office/drawing/2014/main" id="{13B73F5A-7307-46AA-894B-268C494E7962}"/>
+              </a:ext>
+            </a:extLst>
+          </p:cNvPr>
+          <p:cNvPicPr>
+            <a:picLocks noChangeAspect="1"/>
+          </p:cNvPicPr>
+          <p:nvPr/>
+        </p:nvPicPr>
+        <p:blipFill>
+          <a:blip r:embed="rId2">
+            <a:extLst>
+              <a:ext uri="{28A0092B-C50C-407E-A947-70E740481C1C}">
+                <a14:useLocalDpi xmlns:a14="http://schemas.microsoft.com/office/drawing/2010/main" val="0"/>
+              </a:ext>
+            </a:extLst>
+          </a:blip>
+          <a:stretch>
+            <a:fillRect/>
+          </a:stretch>
+        </p:blipFill>
+        <p:spPr>
+          <a:xfrm>
+            <a:off x="3605841" y="1752529"/>
+            <a:ext cx="7530860" cy="4497530"/>
+          </a:xfrm>
+          <a:prstGeom prst="rect">
+            <a:avLst/>
+          </a:prstGeom>
+        </p:spPr>
+      </p:pic>
     </p:spTree>
     <p:extLst>
       <p:ext uri="{BB962C8B-B14F-4D97-AF65-F5344CB8AC3E}">
